--- a/storyBorad/스토리보드(장유수).pptx
+++ b/storyBorad/스토리보드(장유수).pptx
@@ -274,7 +274,7 @@
   </p:defaultTextStyle>
   <p:extLst>
     <p:ext uri="{EFAFB233-063F-42B5-8137-9DF3F51BA10A}">
-      <p15:sldGuideLst xmlns="" xmlns:mc="http://schemas.openxmlformats.org/markup-compatibility/2006" xmlns:mv="urn:schemas-microsoft-com:mac:vml" xmlns:c="http://schemas.openxmlformats.org/drawingml/2006/chart" xmlns:dgm="http://schemas.openxmlformats.org/drawingml/2006/diagram" xmlns:o="urn:schemas-microsoft-com:office:office" xmlns:v="urn:schemas-microsoft-com:vml" xmlns:pvml="urn:schemas-microsoft-com:office:powerpoint" xmlns:com="http://schemas.openxmlformats.org/drawingml/2006/compatibility" xmlns:p14="http://schemas.microsoft.com/office/powerpoint/2010/main" xmlns:p15="http://schemas.microsoft.com/office/powerpoint/2012/main">
+      <p15:sldGuideLst xmlns:p15="http://schemas.microsoft.com/office/powerpoint/2012/main" xmlns:p14="http://schemas.microsoft.com/office/powerpoint/2010/main" xmlns:com="http://schemas.openxmlformats.org/drawingml/2006/compatibility" xmlns:pvml="urn:schemas-microsoft-com:office:powerpoint" xmlns:v="urn:schemas-microsoft-com:vml" xmlns:o="urn:schemas-microsoft-com:office:office" xmlns:dgm="http://schemas.openxmlformats.org/drawingml/2006/diagram" xmlns:c="http://schemas.openxmlformats.org/drawingml/2006/chart" xmlns:mv="urn:schemas-microsoft-com:mac:vml" xmlns:mc="http://schemas.openxmlformats.org/markup-compatibility/2006" xmlns="">
         <p15:guide id="1" orient="horz" pos="1620">
           <p15:clr>
             <a:srgbClr val="000000"/>
@@ -373,7 +373,7 @@
           <a:p>
             <a:fld id="{0E2FF347-C96B-48CE-B6B4-C4397DE875F5}" type="datetimeFigureOut">
               <a:rPr lang="ko-KR" altLang="en-US" smtClean="0"/>
-              <a:t>2020-05-15</a:t>
+              <a:t>2020-05-18</a:t>
             </a:fld>
             <a:endParaRPr lang="ko-KR" altLang="en-US"/>
           </a:p>
@@ -45034,8 +45034,8 @@
         </p:nvSpPr>
         <p:spPr>
           <a:xfrm>
-            <a:off x="1224040" y="474347"/>
-            <a:ext cx="6388340" cy="358377"/>
+            <a:off x="1224039" y="474347"/>
+            <a:ext cx="6677023" cy="358377"/>
           </a:xfrm>
           <a:prstGeom prst="rect">
             <a:avLst/>
@@ -45116,24 +45116,30 @@
       </p:sp>
       <p:sp>
         <p:nvSpPr>
-          <p:cNvPr id="66" name="직사각형 65"/>
+          <p:cNvPr id="74" name="직사각형 73"/>
           <p:cNvSpPr/>
           <p:nvPr/>
         </p:nvSpPr>
         <p:spPr>
           <a:xfrm>
-            <a:off x="1224040" y="4418715"/>
-            <a:ext cx="6677024" cy="532381"/>
+            <a:off x="1224040" y="832724"/>
+            <a:ext cx="6388340" cy="4118371"/>
           </a:xfrm>
           <a:prstGeom prst="rect">
             <a:avLst/>
           </a:prstGeom>
           <a:solidFill>
             <a:schemeClr val="bg1">
-              <a:lumMod val="50000"/>
+              <a:lumMod val="75000"/>
             </a:schemeClr>
           </a:solidFill>
-          <a:ln w="3175"/>
+          <a:ln w="3175">
+            <a:solidFill>
+              <a:schemeClr val="bg1">
+                <a:lumMod val="50000"/>
+              </a:schemeClr>
+            </a:solidFill>
+          </a:ln>
         </p:spPr>
         <p:style>
           <a:lnRef idx="2">
@@ -45156,20 +45162,56 @@
           <a:lstStyle/>
           <a:p>
             <a:pPr algn="ctr"/>
-            <a:endParaRPr lang="ko-KR" altLang="en-US"/>
-          </a:p>
-        </p:txBody>
-      </p:sp>
-      <p:sp>
-        <p:nvSpPr>
-          <p:cNvPr id="67" name="직사각형 66"/>
+            <a:endParaRPr lang="ko-KR" altLang="en-US" dirty="0"/>
+          </a:p>
+        </p:txBody>
+      </p:sp>
+      <p:sp>
+        <p:nvSpPr>
+          <p:cNvPr id="75" name="TextBox 74"/>
+          <p:cNvSpPr txBox="1"/>
+          <p:nvPr/>
+        </p:nvSpPr>
+        <p:spPr>
+          <a:xfrm>
+            <a:off x="1231660" y="843863"/>
+            <a:ext cx="479618" cy="246221"/>
+          </a:xfrm>
+          <a:prstGeom prst="rect">
+            <a:avLst/>
+          </a:prstGeom>
+          <a:noFill/>
+        </p:spPr>
+        <p:txBody>
+          <a:bodyPr wrap="none" rtlCol="0">
+            <a:spAutoFit/>
+          </a:bodyPr>
+          <a:lstStyle/>
+          <a:p>
+            <a:r>
+              <a:rPr lang="en-US" altLang="ko-KR" sz="1000" dirty="0" smtClean="0">
+                <a:latin typeface="+mn-ea"/>
+                <a:ea typeface="+mn-ea"/>
+              </a:rPr>
+              <a:t>main</a:t>
+            </a:r>
+            <a:endParaRPr lang="ko-KR" altLang="en-US" sz="1000" dirty="0">
+              <a:latin typeface="+mn-ea"/>
+              <a:ea typeface="+mn-ea"/>
+            </a:endParaRPr>
+          </a:p>
+        </p:txBody>
+      </p:sp>
+      <p:sp>
+        <p:nvSpPr>
+          <p:cNvPr id="22" name="직사각형 21"/>
           <p:cNvSpPr/>
           <p:nvPr/>
         </p:nvSpPr>
         <p:spPr>
           <a:xfrm>
-            <a:off x="7612380" y="474346"/>
-            <a:ext cx="288683" cy="3944369"/>
+            <a:off x="7002067" y="530424"/>
+            <a:ext cx="824492" cy="246222"/>
           </a:xfrm>
           <a:prstGeom prst="rect">
             <a:avLst/>
@@ -45179,7 +45221,13 @@
               <a:lumMod val="85000"/>
             </a:schemeClr>
           </a:solidFill>
-          <a:ln w="3175"/>
+          <a:ln w="3175">
+            <a:solidFill>
+              <a:schemeClr val="bg1">
+                <a:lumMod val="50000"/>
+              </a:schemeClr>
+            </a:solidFill>
+          </a:ln>
         </p:spPr>
         <p:style>
           <a:lnRef idx="2">
@@ -45202,13 +45250,77 @@
           <a:lstStyle/>
           <a:p>
             <a:pPr algn="ctr"/>
+            <a:r>
+              <a:rPr lang="en-US" altLang="ko-KR" sz="800" dirty="0" smtClean="0">
+                <a:solidFill>
+                  <a:schemeClr val="tx1"/>
+                </a:solidFill>
+              </a:rPr>
+              <a:t>button</a:t>
+            </a:r>
+            <a:endParaRPr lang="ko-KR" altLang="en-US" sz="800" dirty="0">
+              <a:solidFill>
+                <a:schemeClr val="tx1"/>
+              </a:solidFill>
+            </a:endParaRPr>
+          </a:p>
+        </p:txBody>
+      </p:sp>
+      <p:sp>
+        <p:nvSpPr>
+          <p:cNvPr id="26" name="직사각형 25"/>
+          <p:cNvSpPr/>
+          <p:nvPr/>
+        </p:nvSpPr>
+        <p:spPr>
+          <a:xfrm>
+            <a:off x="7612380" y="832723"/>
+            <a:ext cx="288681" cy="4118373"/>
+          </a:xfrm>
+          <a:prstGeom prst="rect">
+            <a:avLst/>
+          </a:prstGeom>
+          <a:solidFill>
+            <a:schemeClr val="bg1">
+              <a:lumMod val="95000"/>
+            </a:schemeClr>
+          </a:solidFill>
+          <a:ln w="3175">
+            <a:solidFill>
+              <a:schemeClr val="bg1">
+                <a:lumMod val="50000"/>
+              </a:schemeClr>
+            </a:solidFill>
+          </a:ln>
+        </p:spPr>
+        <p:style>
+          <a:lnRef idx="2">
+            <a:schemeClr val="accent1">
+              <a:shade val="50000"/>
+            </a:schemeClr>
+          </a:lnRef>
+          <a:fillRef idx="1">
+            <a:schemeClr val="accent1"/>
+          </a:fillRef>
+          <a:effectRef idx="0">
+            <a:schemeClr val="accent1"/>
+          </a:effectRef>
+          <a:fontRef idx="minor">
+            <a:schemeClr val="lt1"/>
+          </a:fontRef>
+        </p:style>
+        <p:txBody>
+          <a:bodyPr rtlCol="0" anchor="ctr"/>
+          <a:lstStyle/>
+          <a:p>
+            <a:pPr algn="ctr"/>
             <a:endParaRPr lang="ko-KR" altLang="en-US"/>
           </a:p>
         </p:txBody>
       </p:sp>
       <p:sp>
         <p:nvSpPr>
-          <p:cNvPr id="68" name="직사각형 67"/>
+          <p:cNvPr id="29" name="직사각형 28"/>
           <p:cNvSpPr/>
           <p:nvPr/>
         </p:nvSpPr>
@@ -45254,217 +45366,32 @@
           <a:lstStyle/>
           <a:p>
             <a:pPr algn="ctr"/>
-            <a:endParaRPr lang="ko-KR" altLang="en-US"/>
-          </a:p>
-        </p:txBody>
-      </p:sp>
-      <p:sp>
-        <p:nvSpPr>
-          <p:cNvPr id="69" name="TextBox 68"/>
-          <p:cNvSpPr txBox="1"/>
+            <a:r>
+              <a:rPr lang="en-US" altLang="ko-KR" sz="800" dirty="0" smtClean="0">
+                <a:solidFill>
+                  <a:schemeClr val="tx1"/>
+                </a:solidFill>
+              </a:rPr>
+              <a:t>h1 &gt; a</a:t>
+            </a:r>
+            <a:endParaRPr lang="ko-KR" altLang="en-US" sz="800" dirty="0">
+              <a:solidFill>
+                <a:schemeClr val="tx1"/>
+              </a:solidFill>
+            </a:endParaRPr>
+          </a:p>
+        </p:txBody>
+      </p:sp>
+      <p:sp>
+        <p:nvSpPr>
+          <p:cNvPr id="30" name="직사각형 29"/>
+          <p:cNvSpPr/>
           <p:nvPr/>
         </p:nvSpPr>
         <p:spPr>
           <a:xfrm>
-            <a:off x="1939552" y="530425"/>
-            <a:ext cx="601980" cy="246221"/>
-          </a:xfrm>
-          <a:prstGeom prst="rect">
-            <a:avLst/>
-          </a:prstGeom>
-          <a:noFill/>
-        </p:spPr>
-        <p:txBody>
-          <a:bodyPr wrap="square" rtlCol="0">
-            <a:spAutoFit/>
-          </a:bodyPr>
-          <a:lstStyle/>
-          <a:p>
-            <a:pPr algn="ctr"/>
-            <a:r>
-              <a:rPr lang="en-US" altLang="ko-KR" sz="1000" dirty="0" smtClean="0">
-                <a:latin typeface="+mn-ea"/>
-                <a:ea typeface="+mn-ea"/>
-              </a:rPr>
-              <a:t>h1 &gt; a</a:t>
-            </a:r>
-            <a:endParaRPr lang="ko-KR" altLang="en-US" sz="1000" dirty="0">
-              <a:latin typeface="+mn-ea"/>
-              <a:ea typeface="+mn-ea"/>
-            </a:endParaRPr>
-          </a:p>
-        </p:txBody>
-      </p:sp>
-      <p:sp>
-        <p:nvSpPr>
-          <p:cNvPr id="70" name="TextBox 69"/>
-          <p:cNvSpPr txBox="1"/>
-          <p:nvPr/>
-        </p:nvSpPr>
-        <p:spPr>
-          <a:xfrm>
-            <a:off x="1224038" y="4418715"/>
-            <a:ext cx="548548" cy="246221"/>
-          </a:xfrm>
-          <a:prstGeom prst="rect">
-            <a:avLst/>
-          </a:prstGeom>
-          <a:noFill/>
-        </p:spPr>
-        <p:txBody>
-          <a:bodyPr wrap="none" rtlCol="0">
-            <a:spAutoFit/>
-          </a:bodyPr>
-          <a:lstStyle/>
-          <a:p>
-            <a:r>
-              <a:rPr lang="en-US" altLang="ko-KR" sz="1000" dirty="0" smtClean="0">
-                <a:latin typeface="+mn-ea"/>
-                <a:ea typeface="+mn-ea"/>
-              </a:rPr>
-              <a:t>footer</a:t>
-            </a:r>
-            <a:endParaRPr lang="ko-KR" altLang="en-US" sz="1000" dirty="0">
-              <a:latin typeface="+mn-ea"/>
-              <a:ea typeface="+mn-ea"/>
-            </a:endParaRPr>
-          </a:p>
-        </p:txBody>
-      </p:sp>
-      <p:sp>
-        <p:nvSpPr>
-          <p:cNvPr id="71" name="TextBox 70"/>
-          <p:cNvSpPr txBox="1"/>
-          <p:nvPr/>
-        </p:nvSpPr>
-        <p:spPr>
-          <a:xfrm>
-            <a:off x="7612380" y="481967"/>
-            <a:ext cx="307582" cy="553998"/>
-          </a:xfrm>
-          <a:prstGeom prst="rect">
-            <a:avLst/>
-          </a:prstGeom>
-          <a:noFill/>
-        </p:spPr>
-        <p:txBody>
-          <a:bodyPr wrap="square" rtlCol="0">
-            <a:spAutoFit/>
-          </a:bodyPr>
-          <a:lstStyle/>
-          <a:p>
-            <a:r>
-              <a:rPr lang="en-US" altLang="ko-KR" sz="1000" dirty="0" err="1" smtClean="0">
-                <a:latin typeface="+mn-ea"/>
-                <a:ea typeface="+mn-ea"/>
-              </a:rPr>
-              <a:t>nav</a:t>
-            </a:r>
-            <a:endParaRPr lang="ko-KR" altLang="en-US" sz="1000" dirty="0">
-              <a:latin typeface="+mn-ea"/>
-              <a:ea typeface="+mn-ea"/>
-            </a:endParaRPr>
-          </a:p>
-        </p:txBody>
-      </p:sp>
-      <p:sp>
-        <p:nvSpPr>
-          <p:cNvPr id="74" name="직사각형 73"/>
-          <p:cNvSpPr/>
-          <p:nvPr/>
-        </p:nvSpPr>
-        <p:spPr>
-          <a:xfrm>
-            <a:off x="1224040" y="832725"/>
-            <a:ext cx="6388340" cy="3585990"/>
-          </a:xfrm>
-          <a:prstGeom prst="rect">
-            <a:avLst/>
-          </a:prstGeom>
-          <a:solidFill>
-            <a:schemeClr val="bg1">
-              <a:lumMod val="75000"/>
-            </a:schemeClr>
-          </a:solidFill>
-          <a:ln w="3175">
-            <a:solidFill>
-              <a:schemeClr val="bg1">
-                <a:lumMod val="50000"/>
-              </a:schemeClr>
-            </a:solidFill>
-          </a:ln>
-        </p:spPr>
-        <p:style>
-          <a:lnRef idx="2">
-            <a:schemeClr val="accent1">
-              <a:shade val="50000"/>
-            </a:schemeClr>
-          </a:lnRef>
-          <a:fillRef idx="1">
-            <a:schemeClr val="accent1"/>
-          </a:fillRef>
-          <a:effectRef idx="0">
-            <a:schemeClr val="accent1"/>
-          </a:effectRef>
-          <a:fontRef idx="minor">
-            <a:schemeClr val="lt1"/>
-          </a:fontRef>
-        </p:style>
-        <p:txBody>
-          <a:bodyPr rtlCol="0" anchor="ctr"/>
-          <a:lstStyle/>
-          <a:p>
-            <a:pPr algn="ctr"/>
-            <a:endParaRPr lang="ko-KR" altLang="en-US"/>
-          </a:p>
-        </p:txBody>
-      </p:sp>
-      <p:sp>
-        <p:nvSpPr>
-          <p:cNvPr id="75" name="TextBox 74"/>
-          <p:cNvSpPr txBox="1"/>
-          <p:nvPr/>
-        </p:nvSpPr>
-        <p:spPr>
-          <a:xfrm>
-            <a:off x="1231660" y="843863"/>
-            <a:ext cx="479618" cy="246221"/>
-          </a:xfrm>
-          <a:prstGeom prst="rect">
-            <a:avLst/>
-          </a:prstGeom>
-          <a:noFill/>
-        </p:spPr>
-        <p:txBody>
-          <a:bodyPr wrap="none" rtlCol="0">
-            <a:spAutoFit/>
-          </a:bodyPr>
-          <a:lstStyle/>
-          <a:p>
-            <a:r>
-              <a:rPr lang="en-US" altLang="ko-KR" sz="1000" dirty="0" smtClean="0">
-                <a:latin typeface="+mn-ea"/>
-                <a:ea typeface="+mn-ea"/>
-              </a:rPr>
-              <a:t>main</a:t>
-            </a:r>
-            <a:endParaRPr lang="ko-KR" altLang="en-US" sz="1000" dirty="0">
-              <a:latin typeface="+mn-ea"/>
-              <a:ea typeface="+mn-ea"/>
-            </a:endParaRPr>
-          </a:p>
-        </p:txBody>
-      </p:sp>
-      <p:sp>
-        <p:nvSpPr>
-          <p:cNvPr id="78" name="직사각형 77"/>
-          <p:cNvSpPr/>
-          <p:nvPr/>
-        </p:nvSpPr>
-        <p:spPr>
-          <a:xfrm>
-            <a:off x="4204017" y="4512947"/>
-            <a:ext cx="428386" cy="348615"/>
+            <a:off x="7672039" y="3635298"/>
+            <a:ext cx="169362" cy="1232163"/>
           </a:xfrm>
           <a:prstGeom prst="rect">
             <a:avLst/>
@@ -45503,232 +45430,31 @@
           <a:lstStyle/>
           <a:p>
             <a:pPr algn="ctr"/>
-            <a:endParaRPr lang="ko-KR" altLang="en-US"/>
-          </a:p>
-        </p:txBody>
-      </p:sp>
-      <p:sp>
-        <p:nvSpPr>
-          <p:cNvPr id="79" name="TextBox 78"/>
-          <p:cNvSpPr txBox="1"/>
+            <a:r>
+              <a:rPr lang="en-US" altLang="ko-KR" sz="800" dirty="0" smtClean="0">
+                <a:solidFill>
+                  <a:schemeClr val="tx1"/>
+                </a:solidFill>
+              </a:rPr>
+              <a:t>a</a:t>
+            </a:r>
+            <a:endParaRPr lang="ko-KR" altLang="en-US" sz="800" dirty="0">
+              <a:solidFill>
+                <a:schemeClr val="tx1"/>
+              </a:solidFill>
+            </a:endParaRPr>
+          </a:p>
+        </p:txBody>
+      </p:sp>
+      <p:sp>
+        <p:nvSpPr>
+          <p:cNvPr id="31" name="직사각형 30"/>
+          <p:cNvSpPr/>
           <p:nvPr/>
         </p:nvSpPr>
         <p:spPr>
           <a:xfrm>
-            <a:off x="4204018" y="4564143"/>
-            <a:ext cx="428385" cy="246221"/>
-          </a:xfrm>
-          <a:prstGeom prst="rect">
-            <a:avLst/>
-          </a:prstGeom>
-          <a:noFill/>
-        </p:spPr>
-        <p:txBody>
-          <a:bodyPr wrap="square" rtlCol="0">
-            <a:spAutoFit/>
-          </a:bodyPr>
-          <a:lstStyle/>
-          <a:p>
-            <a:pPr algn="ctr"/>
-            <a:r>
-              <a:rPr lang="en-US" altLang="ko-KR" sz="1000" dirty="0" smtClean="0">
-                <a:latin typeface="+mn-ea"/>
-                <a:ea typeface="+mn-ea"/>
-              </a:rPr>
-              <a:t>a</a:t>
-            </a:r>
-            <a:endParaRPr lang="ko-KR" altLang="en-US" sz="1000" dirty="0">
-              <a:latin typeface="+mn-ea"/>
-              <a:ea typeface="+mn-ea"/>
-            </a:endParaRPr>
-          </a:p>
-        </p:txBody>
-      </p:sp>
-      <p:sp>
-        <p:nvSpPr>
-          <p:cNvPr id="24" name="직사각형 23"/>
-          <p:cNvSpPr/>
-          <p:nvPr/>
-        </p:nvSpPr>
-        <p:spPr>
-          <a:xfrm>
-            <a:off x="1286542" y="2934655"/>
-            <a:ext cx="6234397" cy="1401125"/>
-          </a:xfrm>
-          <a:prstGeom prst="rect">
-            <a:avLst/>
-          </a:prstGeom>
-          <a:solidFill>
-            <a:schemeClr val="bg1">
-              <a:lumMod val="65000"/>
-            </a:schemeClr>
-          </a:solidFill>
-          <a:ln w="3175">
-            <a:solidFill>
-              <a:schemeClr val="bg1">
-                <a:lumMod val="50000"/>
-              </a:schemeClr>
-            </a:solidFill>
-          </a:ln>
-        </p:spPr>
-        <p:style>
-          <a:lnRef idx="2">
-            <a:schemeClr val="accent1">
-              <a:shade val="50000"/>
-            </a:schemeClr>
-          </a:lnRef>
-          <a:fillRef idx="1">
-            <a:schemeClr val="accent1"/>
-          </a:fillRef>
-          <a:effectRef idx="0">
-            <a:schemeClr val="accent1"/>
-          </a:effectRef>
-          <a:fontRef idx="minor">
-            <a:schemeClr val="lt1"/>
-          </a:fontRef>
-        </p:style>
-        <p:txBody>
-          <a:bodyPr rtlCol="0" anchor="ctr"/>
-          <a:lstStyle/>
-          <a:p>
-            <a:pPr algn="ctr"/>
-            <a:endParaRPr lang="ko-KR" altLang="en-US"/>
-          </a:p>
-        </p:txBody>
-      </p:sp>
-      <p:sp>
-        <p:nvSpPr>
-          <p:cNvPr id="25" name="TextBox 24"/>
-          <p:cNvSpPr txBox="1"/>
-          <p:nvPr/>
-        </p:nvSpPr>
-        <p:spPr>
-          <a:xfrm>
-            <a:off x="1293769" y="2943171"/>
-            <a:ext cx="409086" cy="246221"/>
-          </a:xfrm>
-          <a:prstGeom prst="rect">
-            <a:avLst/>
-          </a:prstGeom>
-          <a:noFill/>
-        </p:spPr>
-        <p:txBody>
-          <a:bodyPr wrap="none" rtlCol="0">
-            <a:spAutoFit/>
-          </a:bodyPr>
-          <a:lstStyle/>
-          <a:p>
-            <a:r>
-              <a:rPr lang="en-US" altLang="ko-KR" sz="1000" dirty="0" err="1" smtClean="0">
-                <a:latin typeface="+mn-ea"/>
-                <a:ea typeface="+mn-ea"/>
-              </a:rPr>
-              <a:t>img</a:t>
-            </a:r>
-            <a:endParaRPr lang="ko-KR" altLang="en-US" sz="1000" dirty="0">
-              <a:latin typeface="+mn-ea"/>
-              <a:ea typeface="+mn-ea"/>
-            </a:endParaRPr>
-          </a:p>
-        </p:txBody>
-      </p:sp>
-      <p:sp>
-        <p:nvSpPr>
-          <p:cNvPr id="27" name="직사각형 26"/>
-          <p:cNvSpPr/>
-          <p:nvPr/>
-        </p:nvSpPr>
-        <p:spPr>
-          <a:xfrm>
-            <a:off x="1286544" y="1310640"/>
-            <a:ext cx="6234396" cy="1624016"/>
-          </a:xfrm>
-          <a:prstGeom prst="rect">
-            <a:avLst/>
-          </a:prstGeom>
-          <a:solidFill>
-            <a:schemeClr val="bg1">
-              <a:lumMod val="85000"/>
-            </a:schemeClr>
-          </a:solidFill>
-          <a:ln w="3175">
-            <a:solidFill>
-              <a:schemeClr val="bg1">
-                <a:lumMod val="50000"/>
-              </a:schemeClr>
-            </a:solidFill>
-          </a:ln>
-        </p:spPr>
-        <p:style>
-          <a:lnRef idx="2">
-            <a:schemeClr val="accent1">
-              <a:shade val="50000"/>
-            </a:schemeClr>
-          </a:lnRef>
-          <a:fillRef idx="1">
-            <a:schemeClr val="accent1"/>
-          </a:fillRef>
-          <a:effectRef idx="0">
-            <a:schemeClr val="accent1"/>
-          </a:effectRef>
-          <a:fontRef idx="minor">
-            <a:schemeClr val="lt1"/>
-          </a:fontRef>
-        </p:style>
-        <p:txBody>
-          <a:bodyPr rtlCol="0" anchor="ctr"/>
-          <a:lstStyle/>
-          <a:p>
-            <a:pPr algn="ctr"/>
-            <a:endParaRPr lang="ko-KR" altLang="en-US"/>
-          </a:p>
-        </p:txBody>
-      </p:sp>
-      <p:sp>
-        <p:nvSpPr>
-          <p:cNvPr id="28" name="TextBox 27"/>
-          <p:cNvSpPr txBox="1"/>
-          <p:nvPr/>
-        </p:nvSpPr>
-        <p:spPr>
-          <a:xfrm>
-            <a:off x="1286542" y="1310640"/>
-            <a:ext cx="338554" cy="246221"/>
-          </a:xfrm>
-          <a:prstGeom prst="rect">
-            <a:avLst/>
-          </a:prstGeom>
-          <a:noFill/>
-        </p:spPr>
-        <p:txBody>
-          <a:bodyPr wrap="none" rtlCol="0">
-            <a:spAutoFit/>
-          </a:bodyPr>
-          <a:lstStyle/>
-          <a:p>
-            <a:r>
-              <a:rPr lang="en-US" altLang="ko-KR" sz="1000" dirty="0" smtClean="0">
-                <a:latin typeface="+mn-ea"/>
-                <a:ea typeface="+mn-ea"/>
-              </a:rPr>
-              <a:t>h2</a:t>
-            </a:r>
-            <a:endParaRPr lang="ko-KR" altLang="en-US" sz="1000" dirty="0">
-              <a:latin typeface="+mn-ea"/>
-              <a:ea typeface="+mn-ea"/>
-            </a:endParaRPr>
-          </a:p>
-        </p:txBody>
-      </p:sp>
-      <p:sp>
-        <p:nvSpPr>
-          <p:cNvPr id="22" name="직사각형 21"/>
-          <p:cNvSpPr/>
-          <p:nvPr/>
-        </p:nvSpPr>
-        <p:spPr>
-          <a:xfrm>
-            <a:off x="6701077" y="530424"/>
+            <a:off x="1471469" y="2589611"/>
             <a:ext cx="824492" cy="246222"/>
           </a:xfrm>
           <a:prstGeom prst="rect">
@@ -45768,20 +45494,32 @@
           <a:lstStyle/>
           <a:p>
             <a:pPr algn="ctr"/>
-            <a:endParaRPr lang="ko-KR" altLang="en-US"/>
-          </a:p>
-        </p:txBody>
-      </p:sp>
-      <p:sp>
-        <p:nvSpPr>
-          <p:cNvPr id="23" name="TextBox 22"/>
+            <a:r>
+              <a:rPr lang="en-US" altLang="ko-KR" sz="800" dirty="0" smtClean="0">
+                <a:solidFill>
+                  <a:schemeClr val="tx1"/>
+                </a:solidFill>
+              </a:rPr>
+              <a:t>button</a:t>
+            </a:r>
+            <a:endParaRPr lang="ko-KR" altLang="en-US" sz="800" dirty="0">
+              <a:solidFill>
+                <a:schemeClr val="tx1"/>
+              </a:solidFill>
+            </a:endParaRPr>
+          </a:p>
+        </p:txBody>
+      </p:sp>
+      <p:sp>
+        <p:nvSpPr>
+          <p:cNvPr id="32" name="TextBox 31"/>
           <p:cNvSpPr txBox="1"/>
           <p:nvPr/>
         </p:nvSpPr>
         <p:spPr>
           <a:xfrm>
-            <a:off x="6812333" y="530425"/>
-            <a:ext cx="601980" cy="246221"/>
+            <a:off x="2704225" y="2435723"/>
+            <a:ext cx="3432780" cy="553998"/>
           </a:xfrm>
           <a:prstGeom prst="rect">
             <a:avLst/>
@@ -45796,402 +45534,28 @@
           <a:p>
             <a:pPr algn="ctr"/>
             <a:r>
-              <a:rPr lang="en-US" altLang="ko-KR" sz="1000" dirty="0" smtClean="0">
+              <a:rPr lang="en-US" altLang="ko-KR" sz="3000" dirty="0" smtClean="0">
                 <a:latin typeface="+mn-ea"/>
                 <a:ea typeface="+mn-ea"/>
               </a:rPr>
-              <a:t>h1 &gt; a</a:t>
-            </a:r>
-            <a:endParaRPr lang="ko-KR" altLang="en-US" sz="1000" dirty="0">
+              <a:t>TEXT</a:t>
+            </a:r>
+            <a:endParaRPr lang="ko-KR" altLang="en-US" sz="3000" dirty="0">
               <a:latin typeface="+mn-ea"/>
               <a:ea typeface="+mn-ea"/>
             </a:endParaRPr>
           </a:p>
         </p:txBody>
       </p:sp>
-    </p:spTree>
-    <p:extLst>
-      <p:ext uri="{BB962C8B-B14F-4D97-AF65-F5344CB8AC3E}">
-        <p14:creationId xmlns:p14="http://schemas.microsoft.com/office/powerpoint/2010/main" val="2934158416"/>
-      </p:ext>
-    </p:extLst>
-  </p:cSld>
-  <p:clrMapOvr>
-    <a:masterClrMapping/>
-  </p:clrMapOvr>
-</p:sld>
-</file>
-
-<file path=ppt/slides/slide8.xml><?xml version="1.0" encoding="utf-8"?>
-<p:sld xmlns:a="http://schemas.openxmlformats.org/drawingml/2006/main" xmlns:r="http://schemas.openxmlformats.org/officeDocument/2006/relationships" xmlns:p="http://schemas.openxmlformats.org/presentationml/2006/main">
-  <p:cSld>
-    <p:spTree>
-      <p:nvGrpSpPr>
-        <p:cNvPr id="1" name="Shape 79"/>
-        <p:cNvGrpSpPr/>
-        <p:nvPr/>
-      </p:nvGrpSpPr>
-      <p:grpSpPr>
-        <a:xfrm>
-          <a:off x="0" y="0"/>
-          <a:ext cx="0" cy="0"/>
-          <a:chOff x="0" y="0"/>
-          <a:chExt cx="0" cy="0"/>
-        </a:xfrm>
-      </p:grpSpPr>
-      <p:sp>
-        <p:nvSpPr>
-          <p:cNvPr id="80" name="Google Shape;80;p13"/>
-          <p:cNvSpPr txBox="1">
-            <a:spLocks noGrp="1"/>
-          </p:cNvSpPr>
-          <p:nvPr>
-            <p:ph type="sldNum" idx="12"/>
-          </p:nvPr>
+      <p:sp>
+        <p:nvSpPr>
+          <p:cNvPr id="33" name="직사각형 32"/>
+          <p:cNvSpPr/>
+          <p:nvPr/>
         </p:nvSpPr>
         <p:spPr>
           <a:xfrm>
-            <a:off x="8594576" y="0"/>
-            <a:ext cx="549424" cy="274637"/>
-          </a:xfrm>
-          <a:prstGeom prst="rect">
-            <a:avLst/>
-          </a:prstGeom>
-          <a:noFill/>
-          <a:ln>
-            <a:noFill/>
-          </a:ln>
-        </p:spPr>
-        <p:txBody>
-          <a:bodyPr spcFirstLastPara="1" wrap="square" lIns="91425" tIns="45700" rIns="91425" bIns="45700" anchor="ctr" anchorCtr="0">
-            <a:noAutofit/>
-          </a:bodyPr>
-          <a:lstStyle/>
-          <a:p>
-            <a:pPr marL="0" marR="0" lvl="0" indent="0" algn="r" rtl="0">
-              <a:spcBef>
-                <a:spcPts val="0"/>
-              </a:spcBef>
-              <a:spcAft>
-                <a:spcPts val="0"/>
-              </a:spcAft>
-              <a:buNone/>
-            </a:pPr>
-            <a:fld id="{00000000-1234-1234-1234-123412341234}" type="slidenum">
-              <a:rPr lang="en-US" sz="1000">
-                <a:solidFill>
-                  <a:srgbClr val="7F7F7F"/>
-                </a:solidFill>
-                <a:latin typeface="Arial"/>
-                <a:ea typeface="Arial"/>
-                <a:cs typeface="Arial"/>
-                <a:sym typeface="Arial"/>
-              </a:rPr>
-              <a:t>8</a:t>
-            </a:fld>
-            <a:endParaRPr sz="1000">
-              <a:solidFill>
-                <a:srgbClr val="7F7F7F"/>
-              </a:solidFill>
-              <a:latin typeface="Arial"/>
-              <a:ea typeface="Arial"/>
-              <a:cs typeface="Arial"/>
-              <a:sym typeface="Arial"/>
-            </a:endParaRPr>
-          </a:p>
-        </p:txBody>
-      </p:sp>
-      <p:sp>
-        <p:nvSpPr>
-          <p:cNvPr id="2" name="제목 1"/>
-          <p:cNvSpPr>
-            <a:spLocks noGrp="1"/>
-          </p:cNvSpPr>
-          <p:nvPr>
-            <p:ph type="title"/>
-          </p:nvPr>
-        </p:nvSpPr>
-        <p:spPr/>
-        <p:txBody>
-          <a:bodyPr/>
-          <a:lstStyle/>
-          <a:p>
-            <a:r>
-              <a:rPr lang="en-US" altLang="ko-KR" dirty="0" smtClean="0"/>
-              <a:t>2020 S/S </a:t>
-            </a:r>
-            <a:r>
-              <a:rPr lang="ko-KR" altLang="en-US" dirty="0" err="1" smtClean="0"/>
-              <a:t>트렌드</a:t>
-            </a:r>
-            <a:r>
-              <a:rPr lang="ko-KR" altLang="en-US" dirty="0" smtClean="0"/>
-              <a:t> 키워드 </a:t>
-            </a:r>
-            <a:r>
-              <a:rPr lang="en-US" altLang="ko-KR" dirty="0" smtClean="0"/>
-              <a:t>3</a:t>
-            </a:r>
-            <a:endParaRPr lang="ko-KR" altLang="en-US" dirty="0"/>
-          </a:p>
-        </p:txBody>
-      </p:sp>
-      <p:sp>
-        <p:nvSpPr>
-          <p:cNvPr id="5" name="텍스트 개체 틀 4"/>
-          <p:cNvSpPr>
-            <a:spLocks noGrp="1"/>
-          </p:cNvSpPr>
-          <p:nvPr>
-            <p:ph type="body" idx="1"/>
-          </p:nvPr>
-        </p:nvSpPr>
-        <p:spPr/>
-        <p:txBody>
-          <a:bodyPr/>
-          <a:lstStyle/>
-          <a:p>
-            <a:r>
-              <a:rPr lang="en-US" altLang="ko-KR" dirty="0" smtClean="0"/>
-              <a:t>3_1.	</a:t>
-            </a:r>
-            <a:endParaRPr lang="ko-KR" altLang="en-US" dirty="0"/>
-          </a:p>
-        </p:txBody>
-      </p:sp>
-      <p:sp>
-        <p:nvSpPr>
-          <p:cNvPr id="54" name="직사각형 53"/>
-          <p:cNvSpPr/>
-          <p:nvPr/>
-        </p:nvSpPr>
-        <p:spPr>
-          <a:xfrm>
-            <a:off x="1224038" y="474347"/>
-            <a:ext cx="6677025" cy="4476750"/>
-          </a:xfrm>
-          <a:prstGeom prst="rect">
-            <a:avLst/>
-          </a:prstGeom>
-          <a:solidFill>
-            <a:schemeClr val="bg1"/>
-          </a:solidFill>
-          <a:ln w="3175"/>
-        </p:spPr>
-        <p:style>
-          <a:lnRef idx="2">
-            <a:schemeClr val="accent1">
-              <a:shade val="50000"/>
-            </a:schemeClr>
-          </a:lnRef>
-          <a:fillRef idx="1">
-            <a:schemeClr val="accent1"/>
-          </a:fillRef>
-          <a:effectRef idx="0">
-            <a:schemeClr val="accent1"/>
-          </a:effectRef>
-          <a:fontRef idx="minor">
-            <a:schemeClr val="lt1"/>
-          </a:fontRef>
-        </p:style>
-        <p:txBody>
-          <a:bodyPr rtlCol="0" anchor="ctr"/>
-          <a:lstStyle/>
-          <a:p>
-            <a:pPr algn="ctr"/>
-            <a:endParaRPr lang="ko-KR" altLang="en-US" dirty="0"/>
-          </a:p>
-        </p:txBody>
-      </p:sp>
-      <p:sp>
-        <p:nvSpPr>
-          <p:cNvPr id="55" name="직사각형 54"/>
-          <p:cNvSpPr/>
-          <p:nvPr/>
-        </p:nvSpPr>
-        <p:spPr>
-          <a:xfrm>
-            <a:off x="1224040" y="474347"/>
-            <a:ext cx="6388340" cy="358377"/>
-          </a:xfrm>
-          <a:prstGeom prst="rect">
-            <a:avLst/>
-          </a:prstGeom>
-          <a:solidFill>
-            <a:schemeClr val="bg1">
-              <a:lumMod val="95000"/>
-            </a:schemeClr>
-          </a:solidFill>
-          <a:ln w="3175">
-            <a:solidFill>
-              <a:schemeClr val="bg1">
-                <a:lumMod val="50000"/>
-              </a:schemeClr>
-            </a:solidFill>
-          </a:ln>
-        </p:spPr>
-        <p:style>
-          <a:lnRef idx="2">
-            <a:schemeClr val="accent1">
-              <a:shade val="50000"/>
-            </a:schemeClr>
-          </a:lnRef>
-          <a:fillRef idx="1">
-            <a:schemeClr val="accent1"/>
-          </a:fillRef>
-          <a:effectRef idx="0">
-            <a:schemeClr val="accent1"/>
-          </a:effectRef>
-          <a:fontRef idx="minor">
-            <a:schemeClr val="lt1"/>
-          </a:fontRef>
-        </p:style>
-        <p:txBody>
-          <a:bodyPr rtlCol="0" anchor="ctr"/>
-          <a:lstStyle/>
-          <a:p>
-            <a:pPr algn="ctr"/>
-            <a:endParaRPr lang="ko-KR" altLang="en-US"/>
-          </a:p>
-        </p:txBody>
-      </p:sp>
-      <p:sp>
-        <p:nvSpPr>
-          <p:cNvPr id="65" name="TextBox 64"/>
-          <p:cNvSpPr txBox="1"/>
-          <p:nvPr/>
-        </p:nvSpPr>
-        <p:spPr>
-          <a:xfrm>
-            <a:off x="1231658" y="481967"/>
-            <a:ext cx="596638" cy="246221"/>
-          </a:xfrm>
-          <a:prstGeom prst="rect">
-            <a:avLst/>
-          </a:prstGeom>
-          <a:noFill/>
-        </p:spPr>
-        <p:txBody>
-          <a:bodyPr wrap="none" rtlCol="0">
-            <a:spAutoFit/>
-          </a:bodyPr>
-          <a:lstStyle/>
-          <a:p>
-            <a:r>
-              <a:rPr lang="en-US" altLang="ko-KR" sz="1000" dirty="0" smtClean="0">
-                <a:latin typeface="+mn-ea"/>
-                <a:ea typeface="+mn-ea"/>
-              </a:rPr>
-              <a:t>header</a:t>
-            </a:r>
-            <a:endParaRPr lang="ko-KR" altLang="en-US" sz="1000" dirty="0">
-              <a:latin typeface="+mn-ea"/>
-              <a:ea typeface="+mn-ea"/>
-            </a:endParaRPr>
-          </a:p>
-        </p:txBody>
-      </p:sp>
-      <p:sp>
-        <p:nvSpPr>
-          <p:cNvPr id="66" name="직사각형 65"/>
-          <p:cNvSpPr/>
-          <p:nvPr/>
-        </p:nvSpPr>
-        <p:spPr>
-          <a:xfrm>
-            <a:off x="1224040" y="4418715"/>
-            <a:ext cx="6677024" cy="532381"/>
-          </a:xfrm>
-          <a:prstGeom prst="rect">
-            <a:avLst/>
-          </a:prstGeom>
-          <a:solidFill>
-            <a:schemeClr val="bg1">
-              <a:lumMod val="50000"/>
-            </a:schemeClr>
-          </a:solidFill>
-          <a:ln w="3175"/>
-        </p:spPr>
-        <p:style>
-          <a:lnRef idx="2">
-            <a:schemeClr val="accent1">
-              <a:shade val="50000"/>
-            </a:schemeClr>
-          </a:lnRef>
-          <a:fillRef idx="1">
-            <a:schemeClr val="accent1"/>
-          </a:fillRef>
-          <a:effectRef idx="0">
-            <a:schemeClr val="accent1"/>
-          </a:effectRef>
-          <a:fontRef idx="minor">
-            <a:schemeClr val="lt1"/>
-          </a:fontRef>
-        </p:style>
-        <p:txBody>
-          <a:bodyPr rtlCol="0" anchor="ctr"/>
-          <a:lstStyle/>
-          <a:p>
-            <a:pPr algn="ctr"/>
-            <a:endParaRPr lang="ko-KR" altLang="en-US"/>
-          </a:p>
-        </p:txBody>
-      </p:sp>
-      <p:sp>
-        <p:nvSpPr>
-          <p:cNvPr id="67" name="직사각형 66"/>
-          <p:cNvSpPr/>
-          <p:nvPr/>
-        </p:nvSpPr>
-        <p:spPr>
-          <a:xfrm>
-            <a:off x="7612380" y="474346"/>
-            <a:ext cx="288683" cy="3944369"/>
-          </a:xfrm>
-          <a:prstGeom prst="rect">
-            <a:avLst/>
-          </a:prstGeom>
-          <a:solidFill>
-            <a:schemeClr val="bg1">
-              <a:lumMod val="85000"/>
-            </a:schemeClr>
-          </a:solidFill>
-          <a:ln w="3175"/>
-        </p:spPr>
-        <p:style>
-          <a:lnRef idx="2">
-            <a:schemeClr val="accent1">
-              <a:shade val="50000"/>
-            </a:schemeClr>
-          </a:lnRef>
-          <a:fillRef idx="1">
-            <a:schemeClr val="accent1"/>
-          </a:fillRef>
-          <a:effectRef idx="0">
-            <a:schemeClr val="accent1"/>
-          </a:effectRef>
-          <a:fontRef idx="minor">
-            <a:schemeClr val="lt1"/>
-          </a:fontRef>
-        </p:style>
-        <p:txBody>
-          <a:bodyPr rtlCol="0" anchor="ctr"/>
-          <a:lstStyle/>
-          <a:p>
-            <a:pPr algn="ctr"/>
-            <a:endParaRPr lang="ko-KR" altLang="en-US"/>
-          </a:p>
-        </p:txBody>
-      </p:sp>
-      <p:sp>
-        <p:nvSpPr>
-          <p:cNvPr id="68" name="직사각형 67"/>
-          <p:cNvSpPr/>
-          <p:nvPr/>
-        </p:nvSpPr>
-        <p:spPr>
-          <a:xfrm>
-            <a:off x="1828296" y="530424"/>
+            <a:off x="4005964" y="3030084"/>
             <a:ext cx="824492" cy="246222"/>
           </a:xfrm>
           <a:prstGeom prst="rect">
@@ -46231,20 +45595,32 @@
           <a:lstStyle/>
           <a:p>
             <a:pPr algn="ctr"/>
-            <a:endParaRPr lang="ko-KR" altLang="en-US"/>
-          </a:p>
-        </p:txBody>
-      </p:sp>
-      <p:sp>
-        <p:nvSpPr>
-          <p:cNvPr id="69" name="TextBox 68"/>
+            <a:r>
+              <a:rPr lang="en-US" altLang="ko-KR" sz="800" dirty="0" smtClean="0">
+                <a:solidFill>
+                  <a:schemeClr val="tx1"/>
+                </a:solidFill>
+              </a:rPr>
+              <a:t>a</a:t>
+            </a:r>
+            <a:endParaRPr lang="ko-KR" altLang="en-US" sz="800" dirty="0">
+              <a:solidFill>
+                <a:schemeClr val="tx1"/>
+              </a:solidFill>
+            </a:endParaRPr>
+          </a:p>
+        </p:txBody>
+      </p:sp>
+      <p:sp>
+        <p:nvSpPr>
+          <p:cNvPr id="34" name="TextBox 33"/>
           <p:cNvSpPr txBox="1"/>
           <p:nvPr/>
         </p:nvSpPr>
         <p:spPr>
           <a:xfrm>
-            <a:off x="1939552" y="530425"/>
-            <a:ext cx="601980" cy="246221"/>
+            <a:off x="1305096" y="4652017"/>
+            <a:ext cx="449762" cy="215444"/>
           </a:xfrm>
           <a:prstGeom prst="rect">
             <a:avLst/>
@@ -46259,29 +45635,211 @@
           <a:p>
             <a:pPr algn="ctr"/>
             <a:r>
-              <a:rPr lang="en-US" altLang="ko-KR" sz="1000" dirty="0" smtClean="0">
+              <a:rPr lang="en-US" altLang="ko-KR" sz="800" dirty="0" smtClean="0">
                 <a:latin typeface="+mn-ea"/>
                 <a:ea typeface="+mn-ea"/>
               </a:rPr>
-              <a:t>h1 &gt; a</a:t>
-            </a:r>
-            <a:endParaRPr lang="ko-KR" altLang="en-US" sz="1000" dirty="0">
+              <a:t>TEXT</a:t>
+            </a:r>
+            <a:endParaRPr lang="ko-KR" altLang="en-US" sz="800" dirty="0">
               <a:latin typeface="+mn-ea"/>
               <a:ea typeface="+mn-ea"/>
             </a:endParaRPr>
           </a:p>
         </p:txBody>
       </p:sp>
-      <p:sp>
-        <p:nvSpPr>
-          <p:cNvPr id="70" name="TextBox 69"/>
+    </p:spTree>
+    <p:extLst>
+      <p:ext uri="{BB962C8B-B14F-4D97-AF65-F5344CB8AC3E}">
+        <p14:creationId xmlns:p14="http://schemas.microsoft.com/office/powerpoint/2010/main" val="2934158416"/>
+      </p:ext>
+    </p:extLst>
+  </p:cSld>
+  <p:clrMapOvr>
+    <a:masterClrMapping/>
+  </p:clrMapOvr>
+</p:sld>
+</file>
+
+<file path=ppt/slides/slide8.xml><?xml version="1.0" encoding="utf-8"?>
+<p:sld xmlns:a="http://schemas.openxmlformats.org/drawingml/2006/main" xmlns:r="http://schemas.openxmlformats.org/officeDocument/2006/relationships" xmlns:p="http://schemas.openxmlformats.org/presentationml/2006/main">
+  <p:cSld>
+    <p:spTree>
+      <p:nvGrpSpPr>
+        <p:cNvPr id="1" name="Shape 79"/>
+        <p:cNvGrpSpPr/>
+        <p:nvPr/>
+      </p:nvGrpSpPr>
+      <p:grpSpPr>
+        <a:xfrm>
+          <a:off x="0" y="0"/>
+          <a:ext cx="0" cy="0"/>
+          <a:chOff x="0" y="0"/>
+          <a:chExt cx="0" cy="0"/>
+        </a:xfrm>
+      </p:grpSpPr>
+      <p:sp>
+        <p:nvSpPr>
+          <p:cNvPr id="80" name="Google Shape;80;p13"/>
+          <p:cNvSpPr txBox="1">
+            <a:spLocks noGrp="1"/>
+          </p:cNvSpPr>
+          <p:nvPr>
+            <p:ph type="sldNum" idx="12"/>
+          </p:nvPr>
+        </p:nvSpPr>
+        <p:spPr>
+          <a:xfrm>
+            <a:off x="8594576" y="0"/>
+            <a:ext cx="549424" cy="274637"/>
+          </a:xfrm>
+          <a:prstGeom prst="rect">
+            <a:avLst/>
+          </a:prstGeom>
+          <a:noFill/>
+          <a:ln>
+            <a:noFill/>
+          </a:ln>
+        </p:spPr>
+        <p:txBody>
+          <a:bodyPr spcFirstLastPara="1" wrap="square" lIns="91425" tIns="45700" rIns="91425" bIns="45700" anchor="ctr" anchorCtr="0">
+            <a:noAutofit/>
+          </a:bodyPr>
+          <a:lstStyle/>
+          <a:p>
+            <a:pPr marL="0" marR="0" lvl="0" indent="0" algn="r" rtl="0">
+              <a:spcBef>
+                <a:spcPts val="0"/>
+              </a:spcBef>
+              <a:spcAft>
+                <a:spcPts val="0"/>
+              </a:spcAft>
+              <a:buNone/>
+            </a:pPr>
+            <a:fld id="{00000000-1234-1234-1234-123412341234}" type="slidenum">
+              <a:rPr lang="en-US" sz="1000">
+                <a:solidFill>
+                  <a:srgbClr val="7F7F7F"/>
+                </a:solidFill>
+                <a:latin typeface="Arial"/>
+                <a:ea typeface="Arial"/>
+                <a:cs typeface="Arial"/>
+                <a:sym typeface="Arial"/>
+              </a:rPr>
+              <a:t>8</a:t>
+            </a:fld>
+            <a:endParaRPr sz="1000">
+              <a:solidFill>
+                <a:srgbClr val="7F7F7F"/>
+              </a:solidFill>
+              <a:latin typeface="Arial"/>
+              <a:ea typeface="Arial"/>
+              <a:cs typeface="Arial"/>
+              <a:sym typeface="Arial"/>
+            </a:endParaRPr>
+          </a:p>
+        </p:txBody>
+      </p:sp>
+      <p:sp>
+        <p:nvSpPr>
+          <p:cNvPr id="2" name="제목 1"/>
+          <p:cNvSpPr>
+            <a:spLocks noGrp="1"/>
+          </p:cNvSpPr>
+          <p:nvPr>
+            <p:ph type="title"/>
+          </p:nvPr>
+        </p:nvSpPr>
+        <p:spPr/>
+        <p:txBody>
+          <a:bodyPr/>
+          <a:lstStyle/>
+          <a:p>
+            <a:r>
+              <a:rPr lang="en-US" altLang="ko-KR" dirty="0" smtClean="0"/>
+              <a:t>Menu</a:t>
+            </a:r>
+            <a:endParaRPr lang="ko-KR" altLang="en-US" dirty="0"/>
+          </a:p>
+        </p:txBody>
+      </p:sp>
+      <p:sp>
+        <p:nvSpPr>
+          <p:cNvPr id="5" name="텍스트 개체 틀 4"/>
+          <p:cNvSpPr>
+            <a:spLocks noGrp="1"/>
+          </p:cNvSpPr>
+          <p:nvPr>
+            <p:ph type="body" idx="1"/>
+          </p:nvPr>
+        </p:nvSpPr>
+        <p:spPr/>
+        <p:txBody>
+          <a:bodyPr/>
+          <a:lstStyle/>
+          <a:p>
+            <a:r>
+              <a:rPr lang="en-US" altLang="ko-KR" dirty="0" smtClean="0"/>
+              <a:t>3_1.	</a:t>
+            </a:r>
+            <a:endParaRPr lang="ko-KR" altLang="en-US" dirty="0"/>
+          </a:p>
+        </p:txBody>
+      </p:sp>
+      <p:sp>
+        <p:nvSpPr>
+          <p:cNvPr id="40" name="직사각형 39"/>
+          <p:cNvSpPr/>
+          <p:nvPr/>
+        </p:nvSpPr>
+        <p:spPr>
+          <a:xfrm>
+            <a:off x="1224038" y="474347"/>
+            <a:ext cx="6677025" cy="4476750"/>
+          </a:xfrm>
+          <a:prstGeom prst="rect">
+            <a:avLst/>
+          </a:prstGeom>
+          <a:solidFill>
+            <a:schemeClr val="bg1"/>
+          </a:solidFill>
+          <a:ln w="3175"/>
+        </p:spPr>
+        <p:style>
+          <a:lnRef idx="2">
+            <a:schemeClr val="accent1">
+              <a:shade val="50000"/>
+            </a:schemeClr>
+          </a:lnRef>
+          <a:fillRef idx="1">
+            <a:schemeClr val="accent1"/>
+          </a:fillRef>
+          <a:effectRef idx="0">
+            <a:schemeClr val="accent1"/>
+          </a:effectRef>
+          <a:fontRef idx="minor">
+            <a:schemeClr val="lt1"/>
+          </a:fontRef>
+        </p:style>
+        <p:txBody>
+          <a:bodyPr rtlCol="0" anchor="ctr"/>
+          <a:lstStyle/>
+          <a:p>
+            <a:pPr algn="ctr"/>
+            <a:endParaRPr lang="ko-KR" altLang="en-US" dirty="0"/>
+          </a:p>
+        </p:txBody>
+      </p:sp>
+      <p:sp>
+        <p:nvSpPr>
+          <p:cNvPr id="42" name="TextBox 41"/>
           <p:cNvSpPr txBox="1"/>
           <p:nvPr/>
         </p:nvSpPr>
         <p:spPr>
           <a:xfrm>
-            <a:off x="1224038" y="4418715"/>
-            <a:ext cx="548548" cy="246221"/>
+            <a:off x="1231658" y="481967"/>
+            <a:ext cx="596638" cy="246221"/>
           </a:xfrm>
           <a:prstGeom prst="rect">
             <a:avLst/>
@@ -46299,7 +45857,7 @@
                 <a:latin typeface="+mn-ea"/>
                 <a:ea typeface="+mn-ea"/>
               </a:rPr>
-              <a:t>footer</a:t>
+              <a:t>header</a:t>
             </a:r>
             <a:endParaRPr lang="ko-KR" altLang="en-US" sz="1000" dirty="0">
               <a:latin typeface="+mn-ea"/>
@@ -46310,50 +45868,14 @@
       </p:sp>
       <p:sp>
         <p:nvSpPr>
-          <p:cNvPr id="71" name="TextBox 70"/>
-          <p:cNvSpPr txBox="1"/>
+          <p:cNvPr id="43" name="직사각형 42"/>
+          <p:cNvSpPr/>
           <p:nvPr/>
         </p:nvSpPr>
         <p:spPr>
           <a:xfrm>
-            <a:off x="7612380" y="481967"/>
-            <a:ext cx="307582" cy="553998"/>
-          </a:xfrm>
-          <a:prstGeom prst="rect">
-            <a:avLst/>
-          </a:prstGeom>
-          <a:noFill/>
-        </p:spPr>
-        <p:txBody>
-          <a:bodyPr wrap="square" rtlCol="0">
-            <a:spAutoFit/>
-          </a:bodyPr>
-          <a:lstStyle/>
-          <a:p>
-            <a:r>
-              <a:rPr lang="en-US" altLang="ko-KR" sz="1000" dirty="0" err="1" smtClean="0">
-                <a:latin typeface="+mn-ea"/>
-                <a:ea typeface="+mn-ea"/>
-              </a:rPr>
-              <a:t>nav</a:t>
-            </a:r>
-            <a:endParaRPr lang="ko-KR" altLang="en-US" sz="1000" dirty="0">
-              <a:latin typeface="+mn-ea"/>
-              <a:ea typeface="+mn-ea"/>
-            </a:endParaRPr>
-          </a:p>
-        </p:txBody>
-      </p:sp>
-      <p:sp>
-        <p:nvSpPr>
-          <p:cNvPr id="74" name="직사각형 73"/>
-          <p:cNvSpPr/>
-          <p:nvPr/>
-        </p:nvSpPr>
-        <p:spPr>
-          <a:xfrm>
-            <a:off x="1224040" y="832725"/>
-            <a:ext cx="6388340" cy="3585990"/>
+            <a:off x="1224040" y="474348"/>
+            <a:ext cx="6677022" cy="4476748"/>
           </a:xfrm>
           <a:prstGeom prst="rect">
             <a:avLst/>
@@ -46392,56 +45914,20 @@
           <a:lstStyle/>
           <a:p>
             <a:pPr algn="ctr"/>
-            <a:endParaRPr lang="ko-KR" altLang="en-US"/>
-          </a:p>
-        </p:txBody>
-      </p:sp>
-      <p:sp>
-        <p:nvSpPr>
-          <p:cNvPr id="75" name="TextBox 74"/>
-          <p:cNvSpPr txBox="1"/>
+            <a:endParaRPr lang="ko-KR" altLang="en-US" dirty="0"/>
+          </a:p>
+        </p:txBody>
+      </p:sp>
+      <p:sp>
+        <p:nvSpPr>
+          <p:cNvPr id="53" name="직사각형 52"/>
+          <p:cNvSpPr/>
           <p:nvPr/>
         </p:nvSpPr>
         <p:spPr>
           <a:xfrm>
-            <a:off x="1231660" y="843863"/>
-            <a:ext cx="479618" cy="246221"/>
-          </a:xfrm>
-          <a:prstGeom prst="rect">
-            <a:avLst/>
-          </a:prstGeom>
-          <a:noFill/>
-        </p:spPr>
-        <p:txBody>
-          <a:bodyPr wrap="none" rtlCol="0">
-            <a:spAutoFit/>
-          </a:bodyPr>
-          <a:lstStyle/>
-          <a:p>
-            <a:r>
-              <a:rPr lang="en-US" altLang="ko-KR" sz="1000" dirty="0" smtClean="0">
-                <a:latin typeface="+mn-ea"/>
-                <a:ea typeface="+mn-ea"/>
-              </a:rPr>
-              <a:t>main</a:t>
-            </a:r>
-            <a:endParaRPr lang="ko-KR" altLang="en-US" sz="1000" dirty="0">
-              <a:latin typeface="+mn-ea"/>
-              <a:ea typeface="+mn-ea"/>
-            </a:endParaRPr>
-          </a:p>
-        </p:txBody>
-      </p:sp>
-      <p:sp>
-        <p:nvSpPr>
-          <p:cNvPr id="78" name="직사각형 77"/>
-          <p:cNvSpPr/>
-          <p:nvPr/>
-        </p:nvSpPr>
-        <p:spPr>
-          <a:xfrm>
-            <a:off x="4204017" y="4512947"/>
-            <a:ext cx="428386" cy="348615"/>
+            <a:off x="7002067" y="530424"/>
+            <a:ext cx="824492" cy="246222"/>
           </a:xfrm>
           <a:prstGeom prst="rect">
             <a:avLst/>
@@ -46480,57 +45966,32 @@
           <a:lstStyle/>
           <a:p>
             <a:pPr algn="ctr"/>
-            <a:endParaRPr lang="ko-KR" altLang="en-US"/>
-          </a:p>
-        </p:txBody>
-      </p:sp>
-      <p:sp>
-        <p:nvSpPr>
-          <p:cNvPr id="79" name="TextBox 78"/>
-          <p:cNvSpPr txBox="1"/>
+            <a:r>
+              <a:rPr lang="en-US" altLang="ko-KR" sz="800" dirty="0" smtClean="0">
+                <a:solidFill>
+                  <a:schemeClr val="tx1"/>
+                </a:solidFill>
+              </a:rPr>
+              <a:t>button</a:t>
+            </a:r>
+            <a:endParaRPr lang="ko-KR" altLang="en-US" sz="800" dirty="0">
+              <a:solidFill>
+                <a:schemeClr val="tx1"/>
+              </a:solidFill>
+            </a:endParaRPr>
+          </a:p>
+        </p:txBody>
+      </p:sp>
+      <p:sp>
+        <p:nvSpPr>
+          <p:cNvPr id="57" name="직사각형 56"/>
+          <p:cNvSpPr/>
           <p:nvPr/>
         </p:nvSpPr>
         <p:spPr>
           <a:xfrm>
-            <a:off x="4204018" y="4564143"/>
-            <a:ext cx="428385" cy="246221"/>
-          </a:xfrm>
-          <a:prstGeom prst="rect">
-            <a:avLst/>
-          </a:prstGeom>
-          <a:noFill/>
-        </p:spPr>
-        <p:txBody>
-          <a:bodyPr wrap="square" rtlCol="0">
-            <a:spAutoFit/>
-          </a:bodyPr>
-          <a:lstStyle/>
-          <a:p>
-            <a:pPr algn="ctr"/>
-            <a:r>
-              <a:rPr lang="en-US" altLang="ko-KR" sz="1000" dirty="0" smtClean="0">
-                <a:latin typeface="+mn-ea"/>
-                <a:ea typeface="+mn-ea"/>
-              </a:rPr>
-              <a:t>a</a:t>
-            </a:r>
-            <a:endParaRPr lang="ko-KR" altLang="en-US" sz="1000" dirty="0">
-              <a:latin typeface="+mn-ea"/>
-              <a:ea typeface="+mn-ea"/>
-            </a:endParaRPr>
-          </a:p>
-        </p:txBody>
-      </p:sp>
-      <p:sp>
-        <p:nvSpPr>
-          <p:cNvPr id="27" name="직사각형 26"/>
-          <p:cNvSpPr/>
-          <p:nvPr/>
-        </p:nvSpPr>
-        <p:spPr>
-          <a:xfrm>
-            <a:off x="1295778" y="1131723"/>
-            <a:ext cx="6248022" cy="315491"/>
+            <a:off x="1305096" y="530424"/>
+            <a:ext cx="824492" cy="246222"/>
           </a:xfrm>
           <a:prstGeom prst="rect">
             <a:avLst/>
@@ -46569,20 +46030,96 @@
           <a:lstStyle/>
           <a:p>
             <a:pPr algn="ctr"/>
-            <a:endParaRPr lang="ko-KR" altLang="en-US"/>
-          </a:p>
-        </p:txBody>
-      </p:sp>
-      <p:sp>
-        <p:nvSpPr>
-          <p:cNvPr id="28" name="TextBox 27"/>
+            <a:r>
+              <a:rPr lang="en-US" altLang="ko-KR" sz="800" dirty="0" smtClean="0">
+                <a:solidFill>
+                  <a:schemeClr val="tx1"/>
+                </a:solidFill>
+              </a:rPr>
+              <a:t>h1 &gt; a</a:t>
+            </a:r>
+            <a:endParaRPr lang="ko-KR" altLang="en-US" sz="800" dirty="0">
+              <a:solidFill>
+                <a:schemeClr val="tx1"/>
+              </a:solidFill>
+            </a:endParaRPr>
+          </a:p>
+        </p:txBody>
+      </p:sp>
+      <p:sp>
+        <p:nvSpPr>
+          <p:cNvPr id="61" name="직사각형 60"/>
+          <p:cNvSpPr/>
+          <p:nvPr/>
+        </p:nvSpPr>
+        <p:spPr>
+          <a:xfrm>
+            <a:off x="2291979" y="1848055"/>
+            <a:ext cx="824492" cy="246222"/>
+          </a:xfrm>
+          <a:prstGeom prst="rect">
+            <a:avLst/>
+          </a:prstGeom>
+          <a:solidFill>
+            <a:schemeClr val="bg1">
+              <a:lumMod val="85000"/>
+            </a:schemeClr>
+          </a:solidFill>
+          <a:ln w="3175">
+            <a:solidFill>
+              <a:schemeClr val="bg1">
+                <a:lumMod val="50000"/>
+              </a:schemeClr>
+            </a:solidFill>
+          </a:ln>
+        </p:spPr>
+        <p:style>
+          <a:lnRef idx="2">
+            <a:schemeClr val="accent1">
+              <a:shade val="50000"/>
+            </a:schemeClr>
+          </a:lnRef>
+          <a:fillRef idx="1">
+            <a:schemeClr val="accent1"/>
+          </a:fillRef>
+          <a:effectRef idx="0">
+            <a:schemeClr val="accent1"/>
+          </a:effectRef>
+          <a:fontRef idx="minor">
+            <a:schemeClr val="lt1"/>
+          </a:fontRef>
+        </p:style>
+        <p:txBody>
+          <a:bodyPr rtlCol="0" anchor="ctr"/>
+          <a:lstStyle/>
+          <a:p>
+            <a:pPr algn="ctr"/>
+            <a:r>
+              <a:rPr lang="en-US" altLang="ko-KR" sz="800" dirty="0" smtClean="0">
+                <a:solidFill>
+                  <a:schemeClr val="tx1"/>
+                </a:solidFill>
+              </a:rPr>
+              <a:t>a</a:t>
+            </a:r>
+            <a:endParaRPr lang="ko-KR" altLang="en-US" sz="800" dirty="0">
+              <a:solidFill>
+                <a:schemeClr val="tx1"/>
+              </a:solidFill>
+            </a:endParaRPr>
+          </a:p>
+        </p:txBody>
+      </p:sp>
+      <p:sp>
+        <p:nvSpPr>
+          <p:cNvPr id="63" name="TextBox 62"/>
           <p:cNvSpPr txBox="1"/>
           <p:nvPr/>
         </p:nvSpPr>
         <p:spPr>
           <a:xfrm>
-            <a:off x="1302192" y="1138731"/>
-            <a:ext cx="338554" cy="246221"/>
+            <a:off x="1846030" y="1236967"/>
+            <a:ext cx="1716390" cy="553998"/>
           </a:xfrm>
           <a:prstGeom prst="rect">
             <a:avLst/>
@@ -46590,19 +46127,20 @@
           <a:noFill/>
         </p:spPr>
         <p:txBody>
-          <a:bodyPr wrap="none" rtlCol="0">
+          <a:bodyPr wrap="square" rtlCol="0">
             <a:spAutoFit/>
           </a:bodyPr>
           <a:lstStyle/>
           <a:p>
-            <a:r>
-              <a:rPr lang="en-US" altLang="ko-KR" sz="1000" dirty="0" smtClean="0">
+            <a:pPr algn="ctr"/>
+            <a:r>
+              <a:rPr lang="en-US" altLang="ko-KR" sz="3000" dirty="0" smtClean="0">
                 <a:latin typeface="+mn-ea"/>
                 <a:ea typeface="+mn-ea"/>
               </a:rPr>
-              <a:t>h2</a:t>
-            </a:r>
-            <a:endParaRPr lang="ko-KR" altLang="en-US" sz="1000" dirty="0">
+              <a:t>TEXT</a:t>
+            </a:r>
+            <a:endParaRPr lang="ko-KR" altLang="en-US" sz="3000" dirty="0">
               <a:latin typeface="+mn-ea"/>
               <a:ea typeface="+mn-ea"/>
             </a:endParaRPr>
@@ -46611,14 +46149,270 @@
       </p:sp>
       <p:sp>
         <p:nvSpPr>
-          <p:cNvPr id="32" name="직사각형 31"/>
+          <p:cNvPr id="64" name="직사각형 63"/>
           <p:cNvSpPr/>
           <p:nvPr/>
         </p:nvSpPr>
         <p:spPr>
           <a:xfrm>
-            <a:off x="1295400" y="1447214"/>
-            <a:ext cx="6248400" cy="2850465"/>
+            <a:off x="2291979" y="2177016"/>
+            <a:ext cx="824492" cy="246222"/>
+          </a:xfrm>
+          <a:prstGeom prst="rect">
+            <a:avLst/>
+          </a:prstGeom>
+          <a:solidFill>
+            <a:schemeClr val="bg1">
+              <a:lumMod val="85000"/>
+            </a:schemeClr>
+          </a:solidFill>
+          <a:ln w="3175">
+            <a:solidFill>
+              <a:schemeClr val="bg1">
+                <a:lumMod val="50000"/>
+              </a:schemeClr>
+            </a:solidFill>
+          </a:ln>
+        </p:spPr>
+        <p:style>
+          <a:lnRef idx="2">
+            <a:schemeClr val="accent1">
+              <a:shade val="50000"/>
+            </a:schemeClr>
+          </a:lnRef>
+          <a:fillRef idx="1">
+            <a:schemeClr val="accent1"/>
+          </a:fillRef>
+          <a:effectRef idx="0">
+            <a:schemeClr val="accent1"/>
+          </a:effectRef>
+          <a:fontRef idx="minor">
+            <a:schemeClr val="lt1"/>
+          </a:fontRef>
+        </p:style>
+        <p:txBody>
+          <a:bodyPr rtlCol="0" anchor="ctr"/>
+          <a:lstStyle/>
+          <a:p>
+            <a:pPr algn="ctr"/>
+            <a:r>
+              <a:rPr lang="en-US" altLang="ko-KR" sz="800" dirty="0" smtClean="0">
+                <a:solidFill>
+                  <a:schemeClr val="tx1"/>
+                </a:solidFill>
+              </a:rPr>
+              <a:t>a</a:t>
+            </a:r>
+            <a:endParaRPr lang="ko-KR" altLang="en-US" sz="800" dirty="0">
+              <a:solidFill>
+                <a:schemeClr val="tx1"/>
+              </a:solidFill>
+            </a:endParaRPr>
+          </a:p>
+        </p:txBody>
+      </p:sp>
+      <p:sp>
+        <p:nvSpPr>
+          <p:cNvPr id="72" name="직사각형 71"/>
+          <p:cNvSpPr/>
+          <p:nvPr/>
+        </p:nvSpPr>
+        <p:spPr>
+          <a:xfrm>
+            <a:off x="2291979" y="2520104"/>
+            <a:ext cx="824492" cy="246222"/>
+          </a:xfrm>
+          <a:prstGeom prst="rect">
+            <a:avLst/>
+          </a:prstGeom>
+          <a:solidFill>
+            <a:schemeClr val="bg1">
+              <a:lumMod val="85000"/>
+            </a:schemeClr>
+          </a:solidFill>
+          <a:ln w="3175">
+            <a:solidFill>
+              <a:schemeClr val="bg1">
+                <a:lumMod val="50000"/>
+              </a:schemeClr>
+            </a:solidFill>
+          </a:ln>
+        </p:spPr>
+        <p:style>
+          <a:lnRef idx="2">
+            <a:schemeClr val="accent1">
+              <a:shade val="50000"/>
+            </a:schemeClr>
+          </a:lnRef>
+          <a:fillRef idx="1">
+            <a:schemeClr val="accent1"/>
+          </a:fillRef>
+          <a:effectRef idx="0">
+            <a:schemeClr val="accent1"/>
+          </a:effectRef>
+          <a:fontRef idx="minor">
+            <a:schemeClr val="lt1"/>
+          </a:fontRef>
+        </p:style>
+        <p:txBody>
+          <a:bodyPr rtlCol="0" anchor="ctr"/>
+          <a:lstStyle/>
+          <a:p>
+            <a:pPr algn="ctr"/>
+            <a:r>
+              <a:rPr lang="en-US" altLang="ko-KR" sz="800" dirty="0" smtClean="0">
+                <a:solidFill>
+                  <a:schemeClr val="tx1"/>
+                </a:solidFill>
+              </a:rPr>
+              <a:t>a</a:t>
+            </a:r>
+            <a:endParaRPr lang="ko-KR" altLang="en-US" sz="800" dirty="0">
+              <a:solidFill>
+                <a:schemeClr val="tx1"/>
+              </a:solidFill>
+            </a:endParaRPr>
+          </a:p>
+        </p:txBody>
+      </p:sp>
+      <p:sp>
+        <p:nvSpPr>
+          <p:cNvPr id="76" name="직사각형 75"/>
+          <p:cNvSpPr/>
+          <p:nvPr/>
+        </p:nvSpPr>
+        <p:spPr>
+          <a:xfrm>
+            <a:off x="2291978" y="2882518"/>
+            <a:ext cx="1437853" cy="429393"/>
+          </a:xfrm>
+          <a:prstGeom prst="rect">
+            <a:avLst/>
+          </a:prstGeom>
+          <a:solidFill>
+            <a:schemeClr val="bg1">
+              <a:lumMod val="85000"/>
+            </a:schemeClr>
+          </a:solidFill>
+          <a:ln w="3175">
+            <a:solidFill>
+              <a:schemeClr val="bg1">
+                <a:lumMod val="50000"/>
+              </a:schemeClr>
+            </a:solidFill>
+          </a:ln>
+        </p:spPr>
+        <p:style>
+          <a:lnRef idx="2">
+            <a:schemeClr val="accent1">
+              <a:shade val="50000"/>
+            </a:schemeClr>
+          </a:lnRef>
+          <a:fillRef idx="1">
+            <a:schemeClr val="accent1"/>
+          </a:fillRef>
+          <a:effectRef idx="0">
+            <a:schemeClr val="accent1"/>
+          </a:effectRef>
+          <a:fontRef idx="minor">
+            <a:schemeClr val="lt1"/>
+          </a:fontRef>
+        </p:style>
+        <p:txBody>
+          <a:bodyPr rtlCol="0" anchor="ctr"/>
+          <a:lstStyle/>
+          <a:p>
+            <a:pPr algn="ctr"/>
+            <a:r>
+              <a:rPr lang="en-US" altLang="ko-KR" sz="800" dirty="0" smtClean="0">
+                <a:solidFill>
+                  <a:schemeClr val="tx1"/>
+                </a:solidFill>
+              </a:rPr>
+              <a:t>a</a:t>
+            </a:r>
+            <a:endParaRPr lang="ko-KR" altLang="en-US" sz="800" dirty="0">
+              <a:solidFill>
+                <a:schemeClr val="tx1"/>
+              </a:solidFill>
+            </a:endParaRPr>
+          </a:p>
+        </p:txBody>
+      </p:sp>
+      <p:sp>
+        <p:nvSpPr>
+          <p:cNvPr id="77" name="직사각형 76"/>
+          <p:cNvSpPr/>
+          <p:nvPr/>
+        </p:nvSpPr>
+        <p:spPr>
+          <a:xfrm>
+            <a:off x="2291978" y="3384323"/>
+            <a:ext cx="1437853" cy="429393"/>
+          </a:xfrm>
+          <a:prstGeom prst="rect">
+            <a:avLst/>
+          </a:prstGeom>
+          <a:solidFill>
+            <a:schemeClr val="bg1">
+              <a:lumMod val="85000"/>
+            </a:schemeClr>
+          </a:solidFill>
+          <a:ln w="3175">
+            <a:solidFill>
+              <a:schemeClr val="bg1">
+                <a:lumMod val="50000"/>
+              </a:schemeClr>
+            </a:solidFill>
+          </a:ln>
+        </p:spPr>
+        <p:style>
+          <a:lnRef idx="2">
+            <a:schemeClr val="accent1">
+              <a:shade val="50000"/>
+            </a:schemeClr>
+          </a:lnRef>
+          <a:fillRef idx="1">
+            <a:schemeClr val="accent1"/>
+          </a:fillRef>
+          <a:effectRef idx="0">
+            <a:schemeClr val="accent1"/>
+          </a:effectRef>
+          <a:fontRef idx="minor">
+            <a:schemeClr val="lt1"/>
+          </a:fontRef>
+        </p:style>
+        <p:txBody>
+          <a:bodyPr rtlCol="0" anchor="ctr"/>
+          <a:lstStyle/>
+          <a:p>
+            <a:pPr algn="ctr"/>
+            <a:r>
+              <a:rPr lang="en-US" altLang="ko-KR" sz="800" dirty="0" smtClean="0">
+                <a:solidFill>
+                  <a:schemeClr val="tx1"/>
+                </a:solidFill>
+              </a:rPr>
+              <a:t>a</a:t>
+            </a:r>
+            <a:endParaRPr lang="ko-KR" altLang="en-US" sz="800" dirty="0">
+              <a:solidFill>
+                <a:schemeClr val="tx1"/>
+              </a:solidFill>
+            </a:endParaRPr>
+          </a:p>
+        </p:txBody>
+      </p:sp>
+      <p:sp>
+        <p:nvSpPr>
+          <p:cNvPr id="81" name="직사각형 80"/>
+          <p:cNvSpPr/>
+          <p:nvPr/>
+        </p:nvSpPr>
+        <p:spPr>
+          <a:xfrm>
+            <a:off x="5527101" y="474347"/>
+            <a:ext cx="45719" cy="4476749"/>
           </a:xfrm>
           <a:prstGeom prst="rect">
             <a:avLst/>
@@ -46663,57 +46457,21 @@
       </p:sp>
       <p:sp>
         <p:nvSpPr>
-          <p:cNvPr id="33" name="TextBox 32"/>
-          <p:cNvSpPr txBox="1"/>
+          <p:cNvPr id="82" name="직사각형 81"/>
+          <p:cNvSpPr/>
           <p:nvPr/>
         </p:nvSpPr>
         <p:spPr>
           <a:xfrm>
-            <a:off x="1295778" y="1447214"/>
-            <a:ext cx="532518" cy="246221"/>
-          </a:xfrm>
-          <a:prstGeom prst="rect">
-            <a:avLst/>
-          </a:prstGeom>
-          <a:noFill/>
-        </p:spPr>
-        <p:txBody>
-          <a:bodyPr wrap="none" rtlCol="0">
-            <a:spAutoFit/>
-          </a:bodyPr>
-          <a:lstStyle/>
-          <a:p>
-            <a:r>
-              <a:rPr lang="en-US" altLang="ko-KR" sz="1000" dirty="0" smtClean="0">
-                <a:latin typeface="+mn-ea"/>
-                <a:ea typeface="+mn-ea"/>
-              </a:rPr>
-              <a:t>figure</a:t>
-            </a:r>
-            <a:endParaRPr lang="ko-KR" altLang="en-US" sz="1000" dirty="0">
-              <a:latin typeface="+mn-ea"/>
-              <a:ea typeface="+mn-ea"/>
-            </a:endParaRPr>
-          </a:p>
-        </p:txBody>
-      </p:sp>
-      <p:sp>
-        <p:nvSpPr>
-          <p:cNvPr id="24" name="직사각형 23"/>
-          <p:cNvSpPr/>
-          <p:nvPr/>
-        </p:nvSpPr>
-        <p:spPr>
-          <a:xfrm>
-            <a:off x="2134419" y="1693435"/>
-            <a:ext cx="1371961" cy="1726888"/>
+            <a:off x="6177575" y="2520104"/>
+            <a:ext cx="824492" cy="246222"/>
           </a:xfrm>
           <a:prstGeom prst="rect">
             <a:avLst/>
           </a:prstGeom>
           <a:solidFill>
             <a:schemeClr val="bg1">
-              <a:lumMod val="75000"/>
+              <a:lumMod val="85000"/>
             </a:schemeClr>
           </a:solidFill>
           <a:ln w="3175">
@@ -46745,63 +46503,39 @@
           <a:lstStyle/>
           <a:p>
             <a:pPr algn="ctr"/>
-            <a:endParaRPr lang="ko-KR" altLang="en-US"/>
-          </a:p>
-        </p:txBody>
-      </p:sp>
-      <p:sp>
-        <p:nvSpPr>
-          <p:cNvPr id="25" name="TextBox 24"/>
-          <p:cNvSpPr txBox="1"/>
+            <a:r>
+              <a:rPr lang="en-US" altLang="ko-KR" sz="800" dirty="0" smtClean="0">
+                <a:solidFill>
+                  <a:schemeClr val="tx1"/>
+                </a:solidFill>
+              </a:rPr>
+              <a:t>a</a:t>
+            </a:r>
+            <a:endParaRPr lang="ko-KR" altLang="en-US" sz="800" dirty="0">
+              <a:solidFill>
+                <a:schemeClr val="tx1"/>
+              </a:solidFill>
+            </a:endParaRPr>
+          </a:p>
+        </p:txBody>
+      </p:sp>
+      <p:sp>
+        <p:nvSpPr>
+          <p:cNvPr id="83" name="직사각형 82"/>
+          <p:cNvSpPr/>
           <p:nvPr/>
         </p:nvSpPr>
         <p:spPr>
           <a:xfrm>
-            <a:off x="2134419" y="1701950"/>
-            <a:ext cx="409086" cy="246221"/>
-          </a:xfrm>
-          <a:prstGeom prst="rect">
-            <a:avLst/>
-          </a:prstGeom>
-          <a:noFill/>
-        </p:spPr>
-        <p:txBody>
-          <a:bodyPr wrap="none" rtlCol="0">
-            <a:spAutoFit/>
-          </a:bodyPr>
-          <a:lstStyle/>
-          <a:p>
-            <a:r>
-              <a:rPr lang="en-US" altLang="ko-KR" sz="1000" dirty="0" err="1" smtClean="0">
-                <a:latin typeface="+mn-ea"/>
-                <a:ea typeface="+mn-ea"/>
-              </a:rPr>
-              <a:t>img</a:t>
-            </a:r>
-            <a:endParaRPr lang="ko-KR" altLang="en-US" sz="1000" dirty="0">
-              <a:latin typeface="+mn-ea"/>
-              <a:ea typeface="+mn-ea"/>
-            </a:endParaRPr>
-          </a:p>
-        </p:txBody>
-      </p:sp>
-      <p:sp>
-        <p:nvSpPr>
-          <p:cNvPr id="26" name="직사각형 25"/>
-          <p:cNvSpPr/>
-          <p:nvPr/>
-        </p:nvSpPr>
-        <p:spPr>
-          <a:xfrm>
-            <a:off x="3944572" y="1693435"/>
-            <a:ext cx="1371961" cy="1726888"/>
+            <a:off x="6177575" y="2850992"/>
+            <a:ext cx="824492" cy="246222"/>
           </a:xfrm>
           <a:prstGeom prst="rect">
             <a:avLst/>
           </a:prstGeom>
           <a:solidFill>
             <a:schemeClr val="bg1">
-              <a:lumMod val="75000"/>
+              <a:lumMod val="85000"/>
             </a:schemeClr>
           </a:solidFill>
           <a:ln w="3175">
@@ -46833,63 +46567,39 @@
           <a:lstStyle/>
           <a:p>
             <a:pPr algn="ctr"/>
-            <a:endParaRPr lang="ko-KR" altLang="en-US"/>
-          </a:p>
-        </p:txBody>
-      </p:sp>
-      <p:sp>
-        <p:nvSpPr>
-          <p:cNvPr id="29" name="TextBox 28"/>
-          <p:cNvSpPr txBox="1"/>
+            <a:r>
+              <a:rPr lang="en-US" altLang="ko-KR" sz="800" dirty="0" smtClean="0">
+                <a:solidFill>
+                  <a:schemeClr val="tx1"/>
+                </a:solidFill>
+              </a:rPr>
+              <a:t>a</a:t>
+            </a:r>
+            <a:endParaRPr lang="ko-KR" altLang="en-US" sz="800" dirty="0">
+              <a:solidFill>
+                <a:schemeClr val="tx1"/>
+              </a:solidFill>
+            </a:endParaRPr>
+          </a:p>
+        </p:txBody>
+      </p:sp>
+      <p:sp>
+        <p:nvSpPr>
+          <p:cNvPr id="84" name="직사각형 83"/>
+          <p:cNvSpPr/>
           <p:nvPr/>
         </p:nvSpPr>
         <p:spPr>
           <a:xfrm>
-            <a:off x="3944572" y="1701950"/>
-            <a:ext cx="409086" cy="246221"/>
-          </a:xfrm>
-          <a:prstGeom prst="rect">
-            <a:avLst/>
-          </a:prstGeom>
-          <a:noFill/>
-        </p:spPr>
-        <p:txBody>
-          <a:bodyPr wrap="none" rtlCol="0">
-            <a:spAutoFit/>
-          </a:bodyPr>
-          <a:lstStyle/>
-          <a:p>
-            <a:r>
-              <a:rPr lang="en-US" altLang="ko-KR" sz="1000" dirty="0" err="1" smtClean="0">
-                <a:latin typeface="+mn-ea"/>
-                <a:ea typeface="+mn-ea"/>
-              </a:rPr>
-              <a:t>img</a:t>
-            </a:r>
-            <a:endParaRPr lang="ko-KR" altLang="en-US" sz="1000" dirty="0">
-              <a:latin typeface="+mn-ea"/>
-              <a:ea typeface="+mn-ea"/>
-            </a:endParaRPr>
-          </a:p>
-        </p:txBody>
-      </p:sp>
-      <p:sp>
-        <p:nvSpPr>
-          <p:cNvPr id="30" name="직사각형 29"/>
-          <p:cNvSpPr/>
-          <p:nvPr/>
-        </p:nvSpPr>
-        <p:spPr>
-          <a:xfrm>
-            <a:off x="5754725" y="1701950"/>
-            <a:ext cx="1371961" cy="1718373"/>
+            <a:off x="6177575" y="3188800"/>
+            <a:ext cx="824492" cy="246222"/>
           </a:xfrm>
           <a:prstGeom prst="rect">
             <a:avLst/>
           </a:prstGeom>
           <a:solidFill>
             <a:schemeClr val="bg1">
-              <a:lumMod val="75000"/>
+              <a:lumMod val="85000"/>
             </a:schemeClr>
           </a:solidFill>
           <a:ln w="3175">
@@ -46921,20 +46631,32 @@
           <a:lstStyle/>
           <a:p>
             <a:pPr algn="ctr"/>
-            <a:endParaRPr lang="ko-KR" altLang="en-US"/>
-          </a:p>
-        </p:txBody>
-      </p:sp>
-      <p:sp>
-        <p:nvSpPr>
-          <p:cNvPr id="31" name="TextBox 30"/>
+            <a:r>
+              <a:rPr lang="en-US" altLang="ko-KR" sz="800" dirty="0" smtClean="0">
+                <a:solidFill>
+                  <a:schemeClr val="tx1"/>
+                </a:solidFill>
+              </a:rPr>
+              <a:t>a</a:t>
+            </a:r>
+            <a:endParaRPr lang="ko-KR" altLang="en-US" sz="800" dirty="0">
+              <a:solidFill>
+                <a:schemeClr val="tx1"/>
+              </a:solidFill>
+            </a:endParaRPr>
+          </a:p>
+        </p:txBody>
+      </p:sp>
+      <p:sp>
+        <p:nvSpPr>
+          <p:cNvPr id="85" name="TextBox 84"/>
           <p:cNvSpPr txBox="1"/>
           <p:nvPr/>
         </p:nvSpPr>
         <p:spPr>
           <a:xfrm>
-            <a:off x="5754725" y="1701950"/>
-            <a:ext cx="409086" cy="246221"/>
+            <a:off x="6177575" y="3491297"/>
+            <a:ext cx="507481" cy="215444"/>
           </a:xfrm>
           <a:prstGeom prst="rect">
             <a:avLst/>
@@ -46942,541 +46664,20 @@
           <a:noFill/>
         </p:spPr>
         <p:txBody>
-          <a:bodyPr wrap="none" rtlCol="0">
+          <a:bodyPr wrap="square" rtlCol="0">
             <a:spAutoFit/>
           </a:bodyPr>
           <a:lstStyle/>
           <a:p>
-            <a:r>
-              <a:rPr lang="en-US" altLang="ko-KR" sz="1000" dirty="0" err="1" smtClean="0">
+            <a:pPr algn="ctr"/>
+            <a:r>
+              <a:rPr lang="en-US" altLang="ko-KR" sz="800" dirty="0" smtClean="0">
                 <a:latin typeface="+mn-ea"/>
                 <a:ea typeface="+mn-ea"/>
               </a:rPr>
-              <a:t>img</a:t>
-            </a:r>
-            <a:endParaRPr lang="ko-KR" altLang="en-US" sz="1000" dirty="0">
-              <a:latin typeface="+mn-ea"/>
-              <a:ea typeface="+mn-ea"/>
-            </a:endParaRPr>
-          </a:p>
-        </p:txBody>
-      </p:sp>
-      <p:sp>
-        <p:nvSpPr>
-          <p:cNvPr id="34" name="직사각형 33"/>
-          <p:cNvSpPr/>
-          <p:nvPr/>
-        </p:nvSpPr>
-        <p:spPr>
-          <a:xfrm>
-            <a:off x="2134680" y="3420323"/>
-            <a:ext cx="1371699" cy="687913"/>
-          </a:xfrm>
-          <a:prstGeom prst="rect">
-            <a:avLst/>
-          </a:prstGeom>
-          <a:solidFill>
-            <a:schemeClr val="bg1"/>
-          </a:solidFill>
-          <a:ln w="3175">
-            <a:solidFill>
-              <a:schemeClr val="bg1">
-                <a:lumMod val="50000"/>
-              </a:schemeClr>
-            </a:solidFill>
-          </a:ln>
-        </p:spPr>
-        <p:style>
-          <a:lnRef idx="2">
-            <a:schemeClr val="accent1">
-              <a:shade val="50000"/>
-            </a:schemeClr>
-          </a:lnRef>
-          <a:fillRef idx="1">
-            <a:schemeClr val="accent1"/>
-          </a:fillRef>
-          <a:effectRef idx="0">
-            <a:schemeClr val="accent1"/>
-          </a:effectRef>
-          <a:fontRef idx="minor">
-            <a:schemeClr val="lt1"/>
-          </a:fontRef>
-        </p:style>
-        <p:txBody>
-          <a:bodyPr rtlCol="0" anchor="ctr"/>
-          <a:lstStyle/>
-          <a:p>
-            <a:pPr algn="ctr"/>
-            <a:endParaRPr lang="ko-KR" altLang="en-US"/>
-          </a:p>
-        </p:txBody>
-      </p:sp>
-      <p:sp>
-        <p:nvSpPr>
-          <p:cNvPr id="35" name="TextBox 34"/>
-          <p:cNvSpPr txBox="1"/>
-          <p:nvPr/>
-        </p:nvSpPr>
-        <p:spPr>
-          <a:xfrm>
-            <a:off x="2134419" y="3420323"/>
-            <a:ext cx="779381" cy="246221"/>
-          </a:xfrm>
-          <a:prstGeom prst="rect">
-            <a:avLst/>
-          </a:prstGeom>
-          <a:noFill/>
-        </p:spPr>
-        <p:txBody>
-          <a:bodyPr wrap="none" rtlCol="0">
-            <a:spAutoFit/>
-          </a:bodyPr>
-          <a:lstStyle/>
-          <a:p>
-            <a:r>
-              <a:rPr lang="en-US" altLang="ko-KR" sz="1000" dirty="0" err="1" smtClean="0">
-                <a:latin typeface="+mn-ea"/>
-                <a:ea typeface="+mn-ea"/>
-              </a:rPr>
-              <a:t>figcaption</a:t>
-            </a:r>
-            <a:endParaRPr lang="ko-KR" altLang="en-US" sz="1000" dirty="0">
-              <a:latin typeface="+mn-ea"/>
-              <a:ea typeface="+mn-ea"/>
-            </a:endParaRPr>
-          </a:p>
-        </p:txBody>
-      </p:sp>
-      <p:sp>
-        <p:nvSpPr>
-          <p:cNvPr id="36" name="직사각형 35"/>
-          <p:cNvSpPr/>
-          <p:nvPr/>
-        </p:nvSpPr>
-        <p:spPr>
-          <a:xfrm>
-            <a:off x="2328602" y="3713525"/>
-            <a:ext cx="1133239" cy="331648"/>
-          </a:xfrm>
-          <a:prstGeom prst="rect">
-            <a:avLst/>
-          </a:prstGeom>
-          <a:solidFill>
-            <a:schemeClr val="bg1">
-              <a:lumMod val="75000"/>
-            </a:schemeClr>
-          </a:solidFill>
-          <a:ln w="3175">
-            <a:solidFill>
-              <a:schemeClr val="bg1">
-                <a:lumMod val="50000"/>
-              </a:schemeClr>
-            </a:solidFill>
-          </a:ln>
-        </p:spPr>
-        <p:style>
-          <a:lnRef idx="2">
-            <a:schemeClr val="accent1">
-              <a:shade val="50000"/>
-            </a:schemeClr>
-          </a:lnRef>
-          <a:fillRef idx="1">
-            <a:schemeClr val="accent1"/>
-          </a:fillRef>
-          <a:effectRef idx="0">
-            <a:schemeClr val="accent1"/>
-          </a:effectRef>
-          <a:fontRef idx="minor">
-            <a:schemeClr val="lt1"/>
-          </a:fontRef>
-        </p:style>
-        <p:txBody>
-          <a:bodyPr rtlCol="0" anchor="ctr"/>
-          <a:lstStyle/>
-          <a:p>
-            <a:pPr algn="ctr"/>
-            <a:endParaRPr lang="ko-KR" altLang="en-US"/>
-          </a:p>
-        </p:txBody>
-      </p:sp>
-      <p:sp>
-        <p:nvSpPr>
-          <p:cNvPr id="37" name="TextBox 36"/>
-          <p:cNvSpPr txBox="1"/>
-          <p:nvPr/>
-        </p:nvSpPr>
-        <p:spPr>
-          <a:xfrm>
-            <a:off x="2328602" y="3713525"/>
-            <a:ext cx="255198" cy="246221"/>
-          </a:xfrm>
-          <a:prstGeom prst="rect">
-            <a:avLst/>
-          </a:prstGeom>
-          <a:noFill/>
-        </p:spPr>
-        <p:txBody>
-          <a:bodyPr wrap="none" rtlCol="0">
-            <a:spAutoFit/>
-          </a:bodyPr>
-          <a:lstStyle/>
-          <a:p>
-            <a:r>
-              <a:rPr lang="en-US" altLang="ko-KR" sz="1000" dirty="0" smtClean="0">
-                <a:latin typeface="+mn-ea"/>
-                <a:ea typeface="+mn-ea"/>
-              </a:rPr>
-              <a:t>a</a:t>
-            </a:r>
-            <a:endParaRPr lang="ko-KR" altLang="en-US" sz="1000" dirty="0">
-              <a:latin typeface="+mn-ea"/>
-              <a:ea typeface="+mn-ea"/>
-            </a:endParaRPr>
-          </a:p>
-        </p:txBody>
-      </p:sp>
-      <p:sp>
-        <p:nvSpPr>
-          <p:cNvPr id="44" name="직사각형 43"/>
-          <p:cNvSpPr/>
-          <p:nvPr/>
-        </p:nvSpPr>
-        <p:spPr>
-          <a:xfrm>
-            <a:off x="3946553" y="3420323"/>
-            <a:ext cx="1371699" cy="687913"/>
-          </a:xfrm>
-          <a:prstGeom prst="rect">
-            <a:avLst/>
-          </a:prstGeom>
-          <a:solidFill>
-            <a:schemeClr val="bg1"/>
-          </a:solidFill>
-          <a:ln w="3175">
-            <a:solidFill>
-              <a:schemeClr val="bg1">
-                <a:lumMod val="50000"/>
-              </a:schemeClr>
-            </a:solidFill>
-          </a:ln>
-        </p:spPr>
-        <p:style>
-          <a:lnRef idx="2">
-            <a:schemeClr val="accent1">
-              <a:shade val="50000"/>
-            </a:schemeClr>
-          </a:lnRef>
-          <a:fillRef idx="1">
-            <a:schemeClr val="accent1"/>
-          </a:fillRef>
-          <a:effectRef idx="0">
-            <a:schemeClr val="accent1"/>
-          </a:effectRef>
-          <a:fontRef idx="minor">
-            <a:schemeClr val="lt1"/>
-          </a:fontRef>
-        </p:style>
-        <p:txBody>
-          <a:bodyPr rtlCol="0" anchor="ctr"/>
-          <a:lstStyle/>
-          <a:p>
-            <a:pPr algn="ctr"/>
-            <a:endParaRPr lang="ko-KR" altLang="en-US"/>
-          </a:p>
-        </p:txBody>
-      </p:sp>
-      <p:sp>
-        <p:nvSpPr>
-          <p:cNvPr id="45" name="TextBox 44"/>
-          <p:cNvSpPr txBox="1"/>
-          <p:nvPr/>
-        </p:nvSpPr>
-        <p:spPr>
-          <a:xfrm>
-            <a:off x="3946292" y="3420323"/>
-            <a:ext cx="779381" cy="246221"/>
-          </a:xfrm>
-          <a:prstGeom prst="rect">
-            <a:avLst/>
-          </a:prstGeom>
-          <a:noFill/>
-        </p:spPr>
-        <p:txBody>
-          <a:bodyPr wrap="none" rtlCol="0">
-            <a:spAutoFit/>
-          </a:bodyPr>
-          <a:lstStyle/>
-          <a:p>
-            <a:r>
-              <a:rPr lang="en-US" altLang="ko-KR" sz="1000" dirty="0" err="1" smtClean="0">
-                <a:latin typeface="+mn-ea"/>
-                <a:ea typeface="+mn-ea"/>
-              </a:rPr>
-              <a:t>figcaption</a:t>
-            </a:r>
-            <a:endParaRPr lang="ko-KR" altLang="en-US" sz="1000" dirty="0">
-              <a:latin typeface="+mn-ea"/>
-              <a:ea typeface="+mn-ea"/>
-            </a:endParaRPr>
-          </a:p>
-        </p:txBody>
-      </p:sp>
-      <p:sp>
-        <p:nvSpPr>
-          <p:cNvPr id="46" name="직사각형 45"/>
-          <p:cNvSpPr/>
-          <p:nvPr/>
-        </p:nvSpPr>
-        <p:spPr>
-          <a:xfrm>
-            <a:off x="4140475" y="3713525"/>
-            <a:ext cx="1133239" cy="331648"/>
-          </a:xfrm>
-          <a:prstGeom prst="rect">
-            <a:avLst/>
-          </a:prstGeom>
-          <a:solidFill>
-            <a:schemeClr val="bg1">
-              <a:lumMod val="75000"/>
-            </a:schemeClr>
-          </a:solidFill>
-          <a:ln w="3175">
-            <a:solidFill>
-              <a:schemeClr val="bg1">
-                <a:lumMod val="50000"/>
-              </a:schemeClr>
-            </a:solidFill>
-          </a:ln>
-        </p:spPr>
-        <p:style>
-          <a:lnRef idx="2">
-            <a:schemeClr val="accent1">
-              <a:shade val="50000"/>
-            </a:schemeClr>
-          </a:lnRef>
-          <a:fillRef idx="1">
-            <a:schemeClr val="accent1"/>
-          </a:fillRef>
-          <a:effectRef idx="0">
-            <a:schemeClr val="accent1"/>
-          </a:effectRef>
-          <a:fontRef idx="minor">
-            <a:schemeClr val="lt1"/>
-          </a:fontRef>
-        </p:style>
-        <p:txBody>
-          <a:bodyPr rtlCol="0" anchor="ctr"/>
-          <a:lstStyle/>
-          <a:p>
-            <a:pPr algn="ctr"/>
-            <a:endParaRPr lang="ko-KR" altLang="en-US"/>
-          </a:p>
-        </p:txBody>
-      </p:sp>
-      <p:sp>
-        <p:nvSpPr>
-          <p:cNvPr id="47" name="TextBox 46"/>
-          <p:cNvSpPr txBox="1"/>
-          <p:nvPr/>
-        </p:nvSpPr>
-        <p:spPr>
-          <a:xfrm>
-            <a:off x="4140475" y="3713525"/>
-            <a:ext cx="255198" cy="246221"/>
-          </a:xfrm>
-          <a:prstGeom prst="rect">
-            <a:avLst/>
-          </a:prstGeom>
-          <a:noFill/>
-        </p:spPr>
-        <p:txBody>
-          <a:bodyPr wrap="none" rtlCol="0">
-            <a:spAutoFit/>
-          </a:bodyPr>
-          <a:lstStyle/>
-          <a:p>
-            <a:r>
-              <a:rPr lang="en-US" altLang="ko-KR" sz="1000" dirty="0" smtClean="0">
-                <a:latin typeface="+mn-ea"/>
-                <a:ea typeface="+mn-ea"/>
-              </a:rPr>
-              <a:t>a</a:t>
-            </a:r>
-            <a:endParaRPr lang="ko-KR" altLang="en-US" sz="1000" dirty="0">
-              <a:latin typeface="+mn-ea"/>
-              <a:ea typeface="+mn-ea"/>
-            </a:endParaRPr>
-          </a:p>
-        </p:txBody>
-      </p:sp>
-      <p:sp>
-        <p:nvSpPr>
-          <p:cNvPr id="48" name="직사각형 47"/>
-          <p:cNvSpPr/>
-          <p:nvPr/>
-        </p:nvSpPr>
-        <p:spPr>
-          <a:xfrm>
-            <a:off x="5754987" y="3420323"/>
-            <a:ext cx="1371699" cy="687913"/>
-          </a:xfrm>
-          <a:prstGeom prst="rect">
-            <a:avLst/>
-          </a:prstGeom>
-          <a:solidFill>
-            <a:schemeClr val="bg1"/>
-          </a:solidFill>
-          <a:ln w="3175">
-            <a:solidFill>
-              <a:schemeClr val="bg1">
-                <a:lumMod val="50000"/>
-              </a:schemeClr>
-            </a:solidFill>
-          </a:ln>
-        </p:spPr>
-        <p:style>
-          <a:lnRef idx="2">
-            <a:schemeClr val="accent1">
-              <a:shade val="50000"/>
-            </a:schemeClr>
-          </a:lnRef>
-          <a:fillRef idx="1">
-            <a:schemeClr val="accent1"/>
-          </a:fillRef>
-          <a:effectRef idx="0">
-            <a:schemeClr val="accent1"/>
-          </a:effectRef>
-          <a:fontRef idx="minor">
-            <a:schemeClr val="lt1"/>
-          </a:fontRef>
-        </p:style>
-        <p:txBody>
-          <a:bodyPr rtlCol="0" anchor="ctr"/>
-          <a:lstStyle/>
-          <a:p>
-            <a:pPr algn="ctr"/>
-            <a:endParaRPr lang="ko-KR" altLang="en-US"/>
-          </a:p>
-        </p:txBody>
-      </p:sp>
-      <p:sp>
-        <p:nvSpPr>
-          <p:cNvPr id="49" name="TextBox 48"/>
-          <p:cNvSpPr txBox="1"/>
-          <p:nvPr/>
-        </p:nvSpPr>
-        <p:spPr>
-          <a:xfrm>
-            <a:off x="5754726" y="3420323"/>
-            <a:ext cx="779381" cy="246221"/>
-          </a:xfrm>
-          <a:prstGeom prst="rect">
-            <a:avLst/>
-          </a:prstGeom>
-          <a:noFill/>
-        </p:spPr>
-        <p:txBody>
-          <a:bodyPr wrap="none" rtlCol="0">
-            <a:spAutoFit/>
-          </a:bodyPr>
-          <a:lstStyle/>
-          <a:p>
-            <a:r>
-              <a:rPr lang="en-US" altLang="ko-KR" sz="1000" dirty="0" err="1" smtClean="0">
-                <a:latin typeface="+mn-ea"/>
-                <a:ea typeface="+mn-ea"/>
-              </a:rPr>
-              <a:t>figcaption</a:t>
-            </a:r>
-            <a:endParaRPr lang="ko-KR" altLang="en-US" sz="1000" dirty="0">
-              <a:latin typeface="+mn-ea"/>
-              <a:ea typeface="+mn-ea"/>
-            </a:endParaRPr>
-          </a:p>
-        </p:txBody>
-      </p:sp>
-      <p:sp>
-        <p:nvSpPr>
-          <p:cNvPr id="50" name="직사각형 49"/>
-          <p:cNvSpPr/>
-          <p:nvPr/>
-        </p:nvSpPr>
-        <p:spPr>
-          <a:xfrm>
-            <a:off x="5948909" y="3713525"/>
-            <a:ext cx="1133239" cy="331648"/>
-          </a:xfrm>
-          <a:prstGeom prst="rect">
-            <a:avLst/>
-          </a:prstGeom>
-          <a:solidFill>
-            <a:schemeClr val="bg1">
-              <a:lumMod val="75000"/>
-            </a:schemeClr>
-          </a:solidFill>
-          <a:ln w="3175">
-            <a:solidFill>
-              <a:schemeClr val="bg1">
-                <a:lumMod val="50000"/>
-              </a:schemeClr>
-            </a:solidFill>
-          </a:ln>
-        </p:spPr>
-        <p:style>
-          <a:lnRef idx="2">
-            <a:schemeClr val="accent1">
-              <a:shade val="50000"/>
-            </a:schemeClr>
-          </a:lnRef>
-          <a:fillRef idx="1">
-            <a:schemeClr val="accent1"/>
-          </a:fillRef>
-          <a:effectRef idx="0">
-            <a:schemeClr val="accent1"/>
-          </a:effectRef>
-          <a:fontRef idx="minor">
-            <a:schemeClr val="lt1"/>
-          </a:fontRef>
-        </p:style>
-        <p:txBody>
-          <a:bodyPr rtlCol="0" anchor="ctr"/>
-          <a:lstStyle/>
-          <a:p>
-            <a:pPr algn="ctr"/>
-            <a:endParaRPr lang="ko-KR" altLang="en-US"/>
-          </a:p>
-        </p:txBody>
-      </p:sp>
-      <p:sp>
-        <p:nvSpPr>
-          <p:cNvPr id="51" name="TextBox 50"/>
-          <p:cNvSpPr txBox="1"/>
-          <p:nvPr/>
-        </p:nvSpPr>
-        <p:spPr>
-          <a:xfrm>
-            <a:off x="5948909" y="3713525"/>
-            <a:ext cx="255198" cy="246221"/>
-          </a:xfrm>
-          <a:prstGeom prst="rect">
-            <a:avLst/>
-          </a:prstGeom>
-          <a:noFill/>
-        </p:spPr>
-        <p:txBody>
-          <a:bodyPr wrap="none" rtlCol="0">
-            <a:spAutoFit/>
-          </a:bodyPr>
-          <a:lstStyle/>
-          <a:p>
-            <a:r>
-              <a:rPr lang="en-US" altLang="ko-KR" sz="1000" dirty="0" smtClean="0">
-                <a:latin typeface="+mn-ea"/>
-                <a:ea typeface="+mn-ea"/>
-              </a:rPr>
-              <a:t>a</a:t>
-            </a:r>
-            <a:endParaRPr lang="ko-KR" altLang="en-US" sz="1000" dirty="0">
+              <a:t>TEXT</a:t>
+            </a:r>
+            <a:endParaRPr lang="ko-KR" altLang="en-US" sz="800" dirty="0">
               <a:latin typeface="+mn-ea"/>
               <a:ea typeface="+mn-ea"/>
             </a:endParaRPr>
